--- a/templates/table_of_contents_slides.pptx
+++ b/templates/table_of_contents_slides.pptx
@@ -1107,7 +1107,7 @@
           <p:cNvPr id="2" name="标题 1">
             <a:extLst>
               <a:ext uri="{FF2B5EF4-FFF2-40B4-BE49-F238E27FC236}">
-                <a16:creationId xmlns:a16="http://schemas.microsoft.com/office/drawing/2014/main" id="{1782D1FE-07C1-4644-AA59-CCAEE43D061F}"/>
+                <a16:creationId xmlns:a16="http://schemas.microsoft.com/office/drawing/2014/main" id="{5A0891B0-EAEC-4BF4-B06B-A33BDBE85262}"/>
               </a:ext>
             </a:extLst>
           </p:cNvPr>
@@ -1144,7 +1144,7 @@
           <p:cNvPr id="3" name="副标题 2">
             <a:extLst>
               <a:ext uri="{FF2B5EF4-FFF2-40B4-BE49-F238E27FC236}">
-                <a16:creationId xmlns:a16="http://schemas.microsoft.com/office/drawing/2014/main" id="{C29666DF-4E95-4BF6-A9BC-634880659074}"/>
+                <a16:creationId xmlns:a16="http://schemas.microsoft.com/office/drawing/2014/main" id="{A2CFFCCB-2134-42BD-B160-E522C7802F93}"/>
               </a:ext>
             </a:extLst>
           </p:cNvPr>
@@ -1214,7 +1214,7 @@
           <p:cNvPr id="4" name="日期占位符 3">
             <a:extLst>
               <a:ext uri="{FF2B5EF4-FFF2-40B4-BE49-F238E27FC236}">
-                <a16:creationId xmlns:a16="http://schemas.microsoft.com/office/drawing/2014/main" id="{4E5C30DC-9116-4C30-8BB6-D0C05676A51D}"/>
+                <a16:creationId xmlns:a16="http://schemas.microsoft.com/office/drawing/2014/main" id="{8BD52D59-FAD1-46BD-9365-8CB4CE58F423}"/>
               </a:ext>
             </a:extLst>
           </p:cNvPr>
@@ -1230,9 +1230,9 @@
           <a:bodyPr/>
           <a:lstStyle/>
           <a:p>
-            <a:fld id="{A75491EB-D518-4202-BCDC-BE0F89F7290B}" type="datetimeFigureOut">
+            <a:fld id="{255220F9-96CC-4BC4-BFA8-85F85EAAB64C}" type="datetimeFigureOut">
               <a:rPr lang="zh-CN" altLang="en-US" smtClean="0"/>
-              <a:t>2025/7/29</a:t>
+              <a:t>2025/9/4</a:t>
             </a:fld>
             <a:endParaRPr lang="zh-CN" altLang="en-US"/>
           </a:p>
@@ -1243,7 +1243,7 @@
           <p:cNvPr id="5" name="页脚占位符 4">
             <a:extLst>
               <a:ext uri="{FF2B5EF4-FFF2-40B4-BE49-F238E27FC236}">
-                <a16:creationId xmlns:a16="http://schemas.microsoft.com/office/drawing/2014/main" id="{01504D3F-F007-48FC-A02B-96515F506994}"/>
+                <a16:creationId xmlns:a16="http://schemas.microsoft.com/office/drawing/2014/main" id="{05DD357E-3BF6-4783-8C65-19D61408A2C7}"/>
               </a:ext>
             </a:extLst>
           </p:cNvPr>
@@ -1268,7 +1268,7 @@
           <p:cNvPr id="6" name="灯片编号占位符 5">
             <a:extLst>
               <a:ext uri="{FF2B5EF4-FFF2-40B4-BE49-F238E27FC236}">
-                <a16:creationId xmlns:a16="http://schemas.microsoft.com/office/drawing/2014/main" id="{D96A7C0C-B370-482F-A4AB-51756B94EC35}"/>
+                <a16:creationId xmlns:a16="http://schemas.microsoft.com/office/drawing/2014/main" id="{7FE0C2EC-AF25-44E9-A9F5-EE1C8472402A}"/>
               </a:ext>
             </a:extLst>
           </p:cNvPr>
@@ -1284,7 +1284,7 @@
           <a:bodyPr/>
           <a:lstStyle/>
           <a:p>
-            <a:fld id="{6098DBBD-AB29-41D4-9BFC-6CDD321025C0}" type="slidenum">
+            <a:fld id="{58188FD2-7E98-4503-B905-CCEF639FD45B}" type="slidenum">
               <a:rPr lang="zh-CN" altLang="en-US" smtClean="0"/>
               <a:t>‹#›</a:t>
             </a:fld>
@@ -1295,7 +1295,7 @@
     </p:spTree>
     <p:extLst>
       <p:ext uri="{BB962C8B-B14F-4D97-AF65-F5344CB8AC3E}">
-        <p14:creationId xmlns:p14="http://schemas.microsoft.com/office/powerpoint/2010/main" val="1909631669"/>
+        <p14:creationId xmlns:p14="http://schemas.microsoft.com/office/powerpoint/2010/main" val="2440584394"/>
       </p:ext>
     </p:extLst>
   </p:cSld>
@@ -1327,7 +1327,7 @@
           <p:cNvPr id="2" name="标题 1">
             <a:extLst>
               <a:ext uri="{FF2B5EF4-FFF2-40B4-BE49-F238E27FC236}">
-                <a16:creationId xmlns:a16="http://schemas.microsoft.com/office/drawing/2014/main" id="{7ECF34FA-417B-414B-AA5F-7FF951D433D1}"/>
+                <a16:creationId xmlns:a16="http://schemas.microsoft.com/office/drawing/2014/main" id="{5830E4E8-068F-465D-BDF6-B5FE58E31162}"/>
               </a:ext>
             </a:extLst>
           </p:cNvPr>
@@ -1355,7 +1355,7 @@
           <p:cNvPr id="3" name="竖排文字占位符 2">
             <a:extLst>
               <a:ext uri="{FF2B5EF4-FFF2-40B4-BE49-F238E27FC236}">
-                <a16:creationId xmlns:a16="http://schemas.microsoft.com/office/drawing/2014/main" id="{08680CE9-85E8-44C1-802F-50210D48BFB5}"/>
+                <a16:creationId xmlns:a16="http://schemas.microsoft.com/office/drawing/2014/main" id="{0FAB0765-35DE-4EA5-9142-5CB86F35C6E5}"/>
               </a:ext>
             </a:extLst>
           </p:cNvPr>
@@ -1412,7 +1412,7 @@
           <p:cNvPr id="4" name="日期占位符 3">
             <a:extLst>
               <a:ext uri="{FF2B5EF4-FFF2-40B4-BE49-F238E27FC236}">
-                <a16:creationId xmlns:a16="http://schemas.microsoft.com/office/drawing/2014/main" id="{541C9A41-E952-4704-8F8B-534F595BA66B}"/>
+                <a16:creationId xmlns:a16="http://schemas.microsoft.com/office/drawing/2014/main" id="{7FCC195D-605C-4DDE-8B4D-34B4BE873B32}"/>
               </a:ext>
             </a:extLst>
           </p:cNvPr>
@@ -1428,9 +1428,9 @@
           <a:bodyPr/>
           <a:lstStyle/>
           <a:p>
-            <a:fld id="{A75491EB-D518-4202-BCDC-BE0F89F7290B}" type="datetimeFigureOut">
+            <a:fld id="{255220F9-96CC-4BC4-BFA8-85F85EAAB64C}" type="datetimeFigureOut">
               <a:rPr lang="zh-CN" altLang="en-US" smtClean="0"/>
-              <a:t>2025/7/29</a:t>
+              <a:t>2025/9/4</a:t>
             </a:fld>
             <a:endParaRPr lang="zh-CN" altLang="en-US"/>
           </a:p>
@@ -1441,7 +1441,7 @@
           <p:cNvPr id="5" name="页脚占位符 4">
             <a:extLst>
               <a:ext uri="{FF2B5EF4-FFF2-40B4-BE49-F238E27FC236}">
-                <a16:creationId xmlns:a16="http://schemas.microsoft.com/office/drawing/2014/main" id="{161FDC7E-BE5B-4355-94D4-C6E791CDD017}"/>
+                <a16:creationId xmlns:a16="http://schemas.microsoft.com/office/drawing/2014/main" id="{FC070815-5E58-4417-BA5F-B0B510DA1FEB}"/>
               </a:ext>
             </a:extLst>
           </p:cNvPr>
@@ -1466,7 +1466,7 @@
           <p:cNvPr id="6" name="灯片编号占位符 5">
             <a:extLst>
               <a:ext uri="{FF2B5EF4-FFF2-40B4-BE49-F238E27FC236}">
-                <a16:creationId xmlns:a16="http://schemas.microsoft.com/office/drawing/2014/main" id="{389C010E-A552-408D-A04F-632032AED9F3}"/>
+                <a16:creationId xmlns:a16="http://schemas.microsoft.com/office/drawing/2014/main" id="{9B8A5075-CB67-427E-8A30-AA9214C476E4}"/>
               </a:ext>
             </a:extLst>
           </p:cNvPr>
@@ -1482,7 +1482,7 @@
           <a:bodyPr/>
           <a:lstStyle/>
           <a:p>
-            <a:fld id="{6098DBBD-AB29-41D4-9BFC-6CDD321025C0}" type="slidenum">
+            <a:fld id="{58188FD2-7E98-4503-B905-CCEF639FD45B}" type="slidenum">
               <a:rPr lang="zh-CN" altLang="en-US" smtClean="0"/>
               <a:t>‹#›</a:t>
             </a:fld>
@@ -1493,7 +1493,7 @@
     </p:spTree>
     <p:extLst>
       <p:ext uri="{BB962C8B-B14F-4D97-AF65-F5344CB8AC3E}">
-        <p14:creationId xmlns:p14="http://schemas.microsoft.com/office/powerpoint/2010/main" val="826658431"/>
+        <p14:creationId xmlns:p14="http://schemas.microsoft.com/office/powerpoint/2010/main" val="3373051033"/>
       </p:ext>
     </p:extLst>
   </p:cSld>
@@ -1525,7 +1525,7 @@
           <p:cNvPr id="2" name="竖排标题 1">
             <a:extLst>
               <a:ext uri="{FF2B5EF4-FFF2-40B4-BE49-F238E27FC236}">
-                <a16:creationId xmlns:a16="http://schemas.microsoft.com/office/drawing/2014/main" id="{DB752264-CFC3-4A56-BD73-AF7A98C522F7}"/>
+                <a16:creationId xmlns:a16="http://schemas.microsoft.com/office/drawing/2014/main" id="{AA485737-8B99-4AD8-9C08-8E4848E84D79}"/>
               </a:ext>
             </a:extLst>
           </p:cNvPr>
@@ -1558,7 +1558,7 @@
           <p:cNvPr id="3" name="竖排文字占位符 2">
             <a:extLst>
               <a:ext uri="{FF2B5EF4-FFF2-40B4-BE49-F238E27FC236}">
-                <a16:creationId xmlns:a16="http://schemas.microsoft.com/office/drawing/2014/main" id="{A18CF4D7-363A-46A2-864D-CA587E92136F}"/>
+                <a16:creationId xmlns:a16="http://schemas.microsoft.com/office/drawing/2014/main" id="{87627FA1-2DA8-4328-B306-C83689159603}"/>
               </a:ext>
             </a:extLst>
           </p:cNvPr>
@@ -1620,7 +1620,7 @@
           <p:cNvPr id="4" name="日期占位符 3">
             <a:extLst>
               <a:ext uri="{FF2B5EF4-FFF2-40B4-BE49-F238E27FC236}">
-                <a16:creationId xmlns:a16="http://schemas.microsoft.com/office/drawing/2014/main" id="{F20375FA-F201-4AC9-A86D-F10520469DAC}"/>
+                <a16:creationId xmlns:a16="http://schemas.microsoft.com/office/drawing/2014/main" id="{AFD86E85-3D6F-48AB-9D3A-135A523144AF}"/>
               </a:ext>
             </a:extLst>
           </p:cNvPr>
@@ -1636,9 +1636,9 @@
           <a:bodyPr/>
           <a:lstStyle/>
           <a:p>
-            <a:fld id="{A75491EB-D518-4202-BCDC-BE0F89F7290B}" type="datetimeFigureOut">
+            <a:fld id="{255220F9-96CC-4BC4-BFA8-85F85EAAB64C}" type="datetimeFigureOut">
               <a:rPr lang="zh-CN" altLang="en-US" smtClean="0"/>
-              <a:t>2025/7/29</a:t>
+              <a:t>2025/9/4</a:t>
             </a:fld>
             <a:endParaRPr lang="zh-CN" altLang="en-US"/>
           </a:p>
@@ -1649,7 +1649,7 @@
           <p:cNvPr id="5" name="页脚占位符 4">
             <a:extLst>
               <a:ext uri="{FF2B5EF4-FFF2-40B4-BE49-F238E27FC236}">
-                <a16:creationId xmlns:a16="http://schemas.microsoft.com/office/drawing/2014/main" id="{DFF2AB2A-0A15-4F03-BB8B-2FD7ABEFF292}"/>
+                <a16:creationId xmlns:a16="http://schemas.microsoft.com/office/drawing/2014/main" id="{E47FCC74-C2A4-4B02-A314-DBBB125DAED9}"/>
               </a:ext>
             </a:extLst>
           </p:cNvPr>
@@ -1674,7 +1674,7 @@
           <p:cNvPr id="6" name="灯片编号占位符 5">
             <a:extLst>
               <a:ext uri="{FF2B5EF4-FFF2-40B4-BE49-F238E27FC236}">
-                <a16:creationId xmlns:a16="http://schemas.microsoft.com/office/drawing/2014/main" id="{FECEA489-378E-4559-8843-26E985BD257A}"/>
+                <a16:creationId xmlns:a16="http://schemas.microsoft.com/office/drawing/2014/main" id="{67FB7379-0437-4A79-AB09-47993650E838}"/>
               </a:ext>
             </a:extLst>
           </p:cNvPr>
@@ -1690,7 +1690,7 @@
           <a:bodyPr/>
           <a:lstStyle/>
           <a:p>
-            <a:fld id="{6098DBBD-AB29-41D4-9BFC-6CDD321025C0}" type="slidenum">
+            <a:fld id="{58188FD2-7E98-4503-B905-CCEF639FD45B}" type="slidenum">
               <a:rPr lang="zh-CN" altLang="en-US" smtClean="0"/>
               <a:t>‹#›</a:t>
             </a:fld>
@@ -1701,7 +1701,7 @@
     </p:spTree>
     <p:extLst>
       <p:ext uri="{BB962C8B-B14F-4D97-AF65-F5344CB8AC3E}">
-        <p14:creationId xmlns:p14="http://schemas.microsoft.com/office/powerpoint/2010/main" val="1635675070"/>
+        <p14:creationId xmlns:p14="http://schemas.microsoft.com/office/powerpoint/2010/main" val="2979276816"/>
       </p:ext>
     </p:extLst>
   </p:cSld>
@@ -4699,7 +4699,7 @@
     </p:spTree>
     <p:extLst>
       <p:ext uri="{BB962C8B-B14F-4D97-AF65-F5344CB8AC3E}">
-        <p14:creationId xmlns:p14="http://schemas.microsoft.com/office/powerpoint/2010/main" val="1697886959"/>
+        <p14:creationId xmlns:p14="http://schemas.microsoft.com/office/powerpoint/2010/main" val="2975287073"/>
       </p:ext>
     </p:extLst>
   </p:cSld>
@@ -8175,7 +8175,7 @@
     </p:spTree>
     <p:extLst>
       <p:ext uri="{BB962C8B-B14F-4D97-AF65-F5344CB8AC3E}">
-        <p14:creationId xmlns:p14="http://schemas.microsoft.com/office/powerpoint/2010/main" val="3615075604"/>
+        <p14:creationId xmlns:p14="http://schemas.microsoft.com/office/powerpoint/2010/main" val="2741568063"/>
       </p:ext>
     </p:extLst>
   </p:cSld>
@@ -8442,7 +8442,7 @@
     </p:spTree>
     <p:extLst>
       <p:ext uri="{BB962C8B-B14F-4D97-AF65-F5344CB8AC3E}">
-        <p14:creationId xmlns:p14="http://schemas.microsoft.com/office/powerpoint/2010/main" val="747502136"/>
+        <p14:creationId xmlns:p14="http://schemas.microsoft.com/office/powerpoint/2010/main" val="1427308421"/>
       </p:ext>
     </p:extLst>
   </p:cSld>
@@ -8454,7 +8454,7 @@
 </file>
 
 <file path=ppt/slideLayouts/slideLayout15.xml><?xml version="1.0" encoding="utf-8"?>
-<p:sldLayout xmlns:a="http://schemas.openxmlformats.org/drawingml/2006/main" xmlns:r="http://schemas.openxmlformats.org/officeDocument/2006/relationships" xmlns:p="http://schemas.openxmlformats.org/presentationml/2006/main" type="tx">
+<p:sldLayout xmlns:a="http://schemas.openxmlformats.org/drawingml/2006/main" xmlns:r="http://schemas.openxmlformats.org/officeDocument/2006/relationships" xmlns:p="http://schemas.openxmlformats.org/presentationml/2006/main" userDrawn="1">
   <p:cSld name="Content Page">
     <p:spTree>
       <p:nvGrpSpPr>
@@ -8971,456 +8971,6 @@
       </p:sp>
       <p:sp>
         <p:nvSpPr>
-          <p:cNvPr id="240" name="内容章节六"/>
-          <p:cNvSpPr txBox="1">
-            <a:spLocks noGrp="1"/>
-          </p:cNvSpPr>
-          <p:nvPr>
-            <p:ph type="body" sz="quarter" idx="32" hasCustomPrompt="1"/>
-          </p:nvPr>
-        </p:nvSpPr>
-        <p:spPr>
-          <a:xfrm>
-            <a:off x="3348412" y="1669585"/>
-            <a:ext cx="1658525" cy="450851"/>
-          </a:xfrm>
-          <a:prstGeom prst="rect">
-            <a:avLst/>
-          </a:prstGeom>
-        </p:spPr>
-        <p:txBody>
-          <a:bodyPr anchor="b">
-            <a:noAutofit/>
-          </a:bodyPr>
-          <a:lstStyle>
-            <a:lvl1pPr marL="0" indent="0">
-              <a:lnSpc>
-                <a:spcPct val="100000"/>
-              </a:lnSpc>
-              <a:spcBef>
-                <a:spcPts val="0"/>
-              </a:spcBef>
-              <a:buClrTx/>
-              <a:buSzTx/>
-              <a:buNone/>
-              <a:defRPr/>
-            </a:lvl1pPr>
-          </a:lstStyle>
-          <a:p>
-            <a:r>
-              <a:t>内容章节六</a:t>
-            </a:r>
-          </a:p>
-        </p:txBody>
-      </p:sp>
-      <p:sp>
-        <p:nvSpPr>
-          <p:cNvPr id="241" name="06"/>
-          <p:cNvSpPr txBox="1">
-            <a:spLocks noGrp="1"/>
-          </p:cNvSpPr>
-          <p:nvPr>
-            <p:ph type="body" sz="quarter" idx="33"/>
-          </p:nvPr>
-        </p:nvSpPr>
-        <p:spPr>
-          <a:xfrm>
-            <a:off x="3348412" y="1320713"/>
-            <a:ext cx="690424" cy="450851"/>
-          </a:xfrm>
-          <a:prstGeom prst="rect">
-            <a:avLst/>
-          </a:prstGeom>
-        </p:spPr>
-        <p:txBody>
-          <a:bodyPr anchor="ctr">
-            <a:noAutofit/>
-          </a:bodyPr>
-          <a:lstStyle>
-            <a:lvl1pPr marL="0" indent="0">
-              <a:spcBef>
-                <a:spcPts val="0"/>
-              </a:spcBef>
-              <a:buClrTx/>
-              <a:buSzTx/>
-              <a:buNone/>
-              <a:defRPr>
-                <a:latin typeface="+mn-lt"/>
-                <a:ea typeface="+mn-ea"/>
-                <a:cs typeface="+mn-cs"/>
-                <a:sym typeface="LiciumFont 2022 Bold"/>
-              </a:defRPr>
-            </a:lvl1pPr>
-          </a:lstStyle>
-          <a:p>
-            <a:r>
-              <a:t>06</a:t>
-            </a:r>
-          </a:p>
-        </p:txBody>
-      </p:sp>
-      <p:sp>
-        <p:nvSpPr>
-          <p:cNvPr id="242" name="内容章节七"/>
-          <p:cNvSpPr txBox="1">
-            <a:spLocks noGrp="1"/>
-          </p:cNvSpPr>
-          <p:nvPr>
-            <p:ph type="body" sz="quarter" idx="34" hasCustomPrompt="1"/>
-          </p:nvPr>
-        </p:nvSpPr>
-        <p:spPr>
-          <a:xfrm>
-            <a:off x="3348411" y="2614640"/>
-            <a:ext cx="1658628" cy="450851"/>
-          </a:xfrm>
-          <a:prstGeom prst="rect">
-            <a:avLst/>
-          </a:prstGeom>
-        </p:spPr>
-        <p:txBody>
-          <a:bodyPr anchor="b">
-            <a:noAutofit/>
-          </a:bodyPr>
-          <a:lstStyle>
-            <a:lvl1pPr marL="0" indent="0">
-              <a:lnSpc>
-                <a:spcPct val="100000"/>
-              </a:lnSpc>
-              <a:spcBef>
-                <a:spcPts val="0"/>
-              </a:spcBef>
-              <a:buClrTx/>
-              <a:buSzTx/>
-              <a:buNone/>
-              <a:defRPr/>
-            </a:lvl1pPr>
-          </a:lstStyle>
-          <a:p>
-            <a:r>
-              <a:t>内容章节七</a:t>
-            </a:r>
-          </a:p>
-        </p:txBody>
-      </p:sp>
-      <p:sp>
-        <p:nvSpPr>
-          <p:cNvPr id="243" name="07"/>
-          <p:cNvSpPr txBox="1">
-            <a:spLocks noGrp="1"/>
-          </p:cNvSpPr>
-          <p:nvPr>
-            <p:ph type="body" sz="quarter" idx="35"/>
-          </p:nvPr>
-        </p:nvSpPr>
-        <p:spPr>
-          <a:xfrm>
-            <a:off x="3348412" y="2265767"/>
-            <a:ext cx="690424" cy="450851"/>
-          </a:xfrm>
-          <a:prstGeom prst="rect">
-            <a:avLst/>
-          </a:prstGeom>
-        </p:spPr>
-        <p:txBody>
-          <a:bodyPr anchor="ctr">
-            <a:noAutofit/>
-          </a:bodyPr>
-          <a:lstStyle>
-            <a:lvl1pPr marL="0" indent="0">
-              <a:spcBef>
-                <a:spcPts val="0"/>
-              </a:spcBef>
-              <a:buClrTx/>
-              <a:buSzTx/>
-              <a:buNone/>
-              <a:defRPr>
-                <a:latin typeface="+mn-lt"/>
-                <a:ea typeface="+mn-ea"/>
-                <a:cs typeface="+mn-cs"/>
-                <a:sym typeface="LiciumFont 2022 Bold"/>
-              </a:defRPr>
-            </a:lvl1pPr>
-          </a:lstStyle>
-          <a:p>
-            <a:r>
-              <a:t>07</a:t>
-            </a:r>
-          </a:p>
-        </p:txBody>
-      </p:sp>
-      <p:sp>
-        <p:nvSpPr>
-          <p:cNvPr id="244" name="内容章节八"/>
-          <p:cNvSpPr txBox="1">
-            <a:spLocks noGrp="1"/>
-          </p:cNvSpPr>
-          <p:nvPr>
-            <p:ph type="body" sz="quarter" idx="36" hasCustomPrompt="1"/>
-          </p:nvPr>
-        </p:nvSpPr>
-        <p:spPr>
-          <a:xfrm>
-            <a:off x="3348411" y="3559695"/>
-            <a:ext cx="1658628" cy="450851"/>
-          </a:xfrm>
-          <a:prstGeom prst="rect">
-            <a:avLst/>
-          </a:prstGeom>
-        </p:spPr>
-        <p:txBody>
-          <a:bodyPr anchor="b">
-            <a:noAutofit/>
-          </a:bodyPr>
-          <a:lstStyle>
-            <a:lvl1pPr marL="0" indent="0">
-              <a:lnSpc>
-                <a:spcPct val="100000"/>
-              </a:lnSpc>
-              <a:spcBef>
-                <a:spcPts val="0"/>
-              </a:spcBef>
-              <a:buClrTx/>
-              <a:buSzTx/>
-              <a:buNone/>
-              <a:defRPr/>
-            </a:lvl1pPr>
-          </a:lstStyle>
-          <a:p>
-            <a:r>
-              <a:t>内容章节八</a:t>
-            </a:r>
-          </a:p>
-        </p:txBody>
-      </p:sp>
-      <p:sp>
-        <p:nvSpPr>
-          <p:cNvPr id="245" name="08"/>
-          <p:cNvSpPr txBox="1">
-            <a:spLocks noGrp="1"/>
-          </p:cNvSpPr>
-          <p:nvPr>
-            <p:ph type="body" sz="quarter" idx="37"/>
-          </p:nvPr>
-        </p:nvSpPr>
-        <p:spPr>
-          <a:xfrm>
-            <a:off x="3348412" y="3210821"/>
-            <a:ext cx="690424" cy="450851"/>
-          </a:xfrm>
-          <a:prstGeom prst="rect">
-            <a:avLst/>
-          </a:prstGeom>
-        </p:spPr>
-        <p:txBody>
-          <a:bodyPr anchor="ctr">
-            <a:noAutofit/>
-          </a:bodyPr>
-          <a:lstStyle>
-            <a:lvl1pPr marL="0" indent="0">
-              <a:spcBef>
-                <a:spcPts val="0"/>
-              </a:spcBef>
-              <a:buClrTx/>
-              <a:buSzTx/>
-              <a:buNone/>
-              <a:defRPr>
-                <a:latin typeface="+mn-lt"/>
-                <a:ea typeface="+mn-ea"/>
-                <a:cs typeface="+mn-cs"/>
-                <a:sym typeface="LiciumFont 2022 Bold"/>
-              </a:defRPr>
-            </a:lvl1pPr>
-          </a:lstStyle>
-          <a:p>
-            <a:r>
-              <a:t>08</a:t>
-            </a:r>
-          </a:p>
-        </p:txBody>
-      </p:sp>
-      <p:sp>
-        <p:nvSpPr>
-          <p:cNvPr id="246" name="内容章节九"/>
-          <p:cNvSpPr txBox="1">
-            <a:spLocks noGrp="1"/>
-          </p:cNvSpPr>
-          <p:nvPr>
-            <p:ph type="body" sz="quarter" idx="38" hasCustomPrompt="1"/>
-          </p:nvPr>
-        </p:nvSpPr>
-        <p:spPr>
-          <a:xfrm>
-            <a:off x="3348412" y="4504749"/>
-            <a:ext cx="1655475" cy="450851"/>
-          </a:xfrm>
-          <a:prstGeom prst="rect">
-            <a:avLst/>
-          </a:prstGeom>
-        </p:spPr>
-        <p:txBody>
-          <a:bodyPr anchor="b">
-            <a:noAutofit/>
-          </a:bodyPr>
-          <a:lstStyle>
-            <a:lvl1pPr marL="0" indent="0">
-              <a:lnSpc>
-                <a:spcPct val="100000"/>
-              </a:lnSpc>
-              <a:spcBef>
-                <a:spcPts val="0"/>
-              </a:spcBef>
-              <a:buClrTx/>
-              <a:buSzTx/>
-              <a:buNone/>
-              <a:defRPr/>
-            </a:lvl1pPr>
-          </a:lstStyle>
-          <a:p>
-            <a:r>
-              <a:t>内容章节九</a:t>
-            </a:r>
-          </a:p>
-        </p:txBody>
-      </p:sp>
-      <p:sp>
-        <p:nvSpPr>
-          <p:cNvPr id="247" name="09"/>
-          <p:cNvSpPr txBox="1">
-            <a:spLocks noGrp="1"/>
-          </p:cNvSpPr>
-          <p:nvPr>
-            <p:ph type="body" sz="quarter" idx="39"/>
-          </p:nvPr>
-        </p:nvSpPr>
-        <p:spPr>
-          <a:xfrm>
-            <a:off x="3348412" y="4155876"/>
-            <a:ext cx="690424" cy="450851"/>
-          </a:xfrm>
-          <a:prstGeom prst="rect">
-            <a:avLst/>
-          </a:prstGeom>
-        </p:spPr>
-        <p:txBody>
-          <a:bodyPr anchor="ctr">
-            <a:noAutofit/>
-          </a:bodyPr>
-          <a:lstStyle>
-            <a:lvl1pPr marL="0" indent="0">
-              <a:spcBef>
-                <a:spcPts val="0"/>
-              </a:spcBef>
-              <a:buClrTx/>
-              <a:buSzTx/>
-              <a:buNone/>
-              <a:defRPr>
-                <a:latin typeface="+mn-lt"/>
-                <a:ea typeface="+mn-ea"/>
-                <a:cs typeface="+mn-cs"/>
-                <a:sym typeface="LiciumFont 2022 Bold"/>
-              </a:defRPr>
-            </a:lvl1pPr>
-          </a:lstStyle>
-          <a:p>
-            <a:r>
-              <a:t>09</a:t>
-            </a:r>
-          </a:p>
-        </p:txBody>
-      </p:sp>
-      <p:sp>
-        <p:nvSpPr>
-          <p:cNvPr id="248" name="内容章节十"/>
-          <p:cNvSpPr txBox="1">
-            <a:spLocks noGrp="1"/>
-          </p:cNvSpPr>
-          <p:nvPr>
-            <p:ph type="body" sz="quarter" idx="40" hasCustomPrompt="1"/>
-          </p:nvPr>
-        </p:nvSpPr>
-        <p:spPr>
-          <a:xfrm>
-            <a:off x="3348412" y="5449803"/>
-            <a:ext cx="1655578" cy="450851"/>
-          </a:xfrm>
-          <a:prstGeom prst="rect">
-            <a:avLst/>
-          </a:prstGeom>
-        </p:spPr>
-        <p:txBody>
-          <a:bodyPr anchor="b">
-            <a:noAutofit/>
-          </a:bodyPr>
-          <a:lstStyle>
-            <a:lvl1pPr marL="0" indent="0">
-              <a:lnSpc>
-                <a:spcPct val="100000"/>
-              </a:lnSpc>
-              <a:spcBef>
-                <a:spcPts val="0"/>
-              </a:spcBef>
-              <a:buClrTx/>
-              <a:buSzTx/>
-              <a:buNone/>
-              <a:defRPr/>
-            </a:lvl1pPr>
-          </a:lstStyle>
-          <a:p>
-            <a:r>
-              <a:t>内容章节十</a:t>
-            </a:r>
-          </a:p>
-        </p:txBody>
-      </p:sp>
-      <p:sp>
-        <p:nvSpPr>
-          <p:cNvPr id="249" name="10"/>
-          <p:cNvSpPr txBox="1">
-            <a:spLocks noGrp="1"/>
-          </p:cNvSpPr>
-          <p:nvPr>
-            <p:ph type="body" sz="quarter" idx="41"/>
-          </p:nvPr>
-        </p:nvSpPr>
-        <p:spPr>
-          <a:xfrm>
-            <a:off x="3348412" y="5100930"/>
-            <a:ext cx="690424" cy="450851"/>
-          </a:xfrm>
-          <a:prstGeom prst="rect">
-            <a:avLst/>
-          </a:prstGeom>
-        </p:spPr>
-        <p:txBody>
-          <a:bodyPr anchor="ctr">
-            <a:noAutofit/>
-          </a:bodyPr>
-          <a:lstStyle>
-            <a:lvl1pPr marL="0" indent="0">
-              <a:spcBef>
-                <a:spcPts val="0"/>
-              </a:spcBef>
-              <a:buClrTx/>
-              <a:buSzTx/>
-              <a:buNone/>
-              <a:defRPr>
-                <a:latin typeface="+mn-lt"/>
-                <a:ea typeface="+mn-ea"/>
-                <a:cs typeface="+mn-cs"/>
-                <a:sym typeface="LiciumFont 2022 Bold"/>
-              </a:defRPr>
-            </a:lvl1pPr>
-          </a:lstStyle>
-          <a:p>
-            <a:r>
-              <a:t>10</a:t>
-            </a:r>
-          </a:p>
-        </p:txBody>
-      </p:sp>
-      <p:sp>
-        <p:nvSpPr>
           <p:cNvPr id="255" name="Slide Number"/>
           <p:cNvSpPr txBox="1">
             <a:spLocks noGrp="1"/>
@@ -9460,50 +9010,6 @@
         <p:spPr>
           <a:xfrm>
             <a:off x="488950" y="1771563"/>
-            <a:ext cx="1073719" cy="0"/>
-          </a:xfrm>
-          <a:prstGeom prst="line">
-            <a:avLst/>
-          </a:prstGeom>
-          <a:noFill/>
-          <a:ln w="9525" cap="flat">
-            <a:solidFill>
-              <a:srgbClr val="000000"/>
-            </a:solidFill>
-            <a:prstDash val="solid"/>
-            <a:miter lim="400000"/>
-          </a:ln>
-          <a:effectLst/>
-          <a:sp3d/>
-        </p:spPr>
-        <p:style>
-          <a:lnRef idx="0">
-            <a:scrgbClr r="0" g="0" b="0"/>
-          </a:lnRef>
-          <a:fillRef idx="0">
-            <a:scrgbClr r="0" g="0" b="0"/>
-          </a:fillRef>
-          <a:effectRef idx="0">
-            <a:scrgbClr r="0" g="0" b="0"/>
-          </a:effectRef>
-          <a:fontRef idx="none"/>
-        </p:style>
-      </p:cxnSp>
-      <p:cxnSp>
-        <p:nvCxnSpPr>
-          <p:cNvPr id="36" name="Straight Connector 35">
-            <a:extLst>
-              <a:ext uri="{FF2B5EF4-FFF2-40B4-BE49-F238E27FC236}">
-                <a16:creationId xmlns:a16="http://schemas.microsoft.com/office/drawing/2014/main" id="{764160B2-CE78-1845-B667-EAA1866F5B32}"/>
-              </a:ext>
-            </a:extLst>
-          </p:cNvPr>
-          <p:cNvCxnSpPr/>
-          <p:nvPr userDrawn="1"/>
-        </p:nvCxnSpPr>
-        <p:spPr>
-          <a:xfrm>
-            <a:off x="3327685" y="1771563"/>
             <a:ext cx="1073719" cy="0"/>
           </a:xfrm>
           <a:prstGeom prst="line">
@@ -9579,50 +9085,6 @@
       </p:cxnSp>
       <p:cxnSp>
         <p:nvCxnSpPr>
-          <p:cNvPr id="38" name="Straight Connector 37">
-            <a:extLst>
-              <a:ext uri="{FF2B5EF4-FFF2-40B4-BE49-F238E27FC236}">
-                <a16:creationId xmlns:a16="http://schemas.microsoft.com/office/drawing/2014/main" id="{BBA7BAFA-24AD-DD4B-BADD-2CB1725F80C0}"/>
-              </a:ext>
-            </a:extLst>
-          </p:cNvPr>
-          <p:cNvCxnSpPr/>
-          <p:nvPr userDrawn="1"/>
-        </p:nvCxnSpPr>
-        <p:spPr>
-          <a:xfrm>
-            <a:off x="3327685" y="2726906"/>
-            <a:ext cx="1073719" cy="0"/>
-          </a:xfrm>
-          <a:prstGeom prst="line">
-            <a:avLst/>
-          </a:prstGeom>
-          <a:noFill/>
-          <a:ln w="9525" cap="flat">
-            <a:solidFill>
-              <a:srgbClr val="000000"/>
-            </a:solidFill>
-            <a:prstDash val="solid"/>
-            <a:miter lim="400000"/>
-          </a:ln>
-          <a:effectLst/>
-          <a:sp3d/>
-        </p:spPr>
-        <p:style>
-          <a:lnRef idx="0">
-            <a:scrgbClr r="0" g="0" b="0"/>
-          </a:lnRef>
-          <a:fillRef idx="0">
-            <a:scrgbClr r="0" g="0" b="0"/>
-          </a:fillRef>
-          <a:effectRef idx="0">
-            <a:scrgbClr r="0" g="0" b="0"/>
-          </a:effectRef>
-          <a:fontRef idx="none"/>
-        </p:style>
-      </p:cxnSp>
-      <p:cxnSp>
-        <p:nvCxnSpPr>
           <p:cNvPr id="39" name="Straight Connector 38">
             <a:extLst>
               <a:ext uri="{FF2B5EF4-FFF2-40B4-BE49-F238E27FC236}">
@@ -9636,50 +9098,6 @@
         <p:spPr>
           <a:xfrm>
             <a:off x="488950" y="3668602"/>
-            <a:ext cx="1073719" cy="0"/>
-          </a:xfrm>
-          <a:prstGeom prst="line">
-            <a:avLst/>
-          </a:prstGeom>
-          <a:noFill/>
-          <a:ln w="9525" cap="flat">
-            <a:solidFill>
-              <a:srgbClr val="000000"/>
-            </a:solidFill>
-            <a:prstDash val="solid"/>
-            <a:miter lim="400000"/>
-          </a:ln>
-          <a:effectLst/>
-          <a:sp3d/>
-        </p:spPr>
-        <p:style>
-          <a:lnRef idx="0">
-            <a:scrgbClr r="0" g="0" b="0"/>
-          </a:lnRef>
-          <a:fillRef idx="0">
-            <a:scrgbClr r="0" g="0" b="0"/>
-          </a:fillRef>
-          <a:effectRef idx="0">
-            <a:scrgbClr r="0" g="0" b="0"/>
-          </a:effectRef>
-          <a:fontRef idx="none"/>
-        </p:style>
-      </p:cxnSp>
-      <p:cxnSp>
-        <p:nvCxnSpPr>
-          <p:cNvPr id="40" name="Straight Connector 39">
-            <a:extLst>
-              <a:ext uri="{FF2B5EF4-FFF2-40B4-BE49-F238E27FC236}">
-                <a16:creationId xmlns:a16="http://schemas.microsoft.com/office/drawing/2014/main" id="{82951146-BDFC-F041-87A4-6B4D91C8CB7A}"/>
-              </a:ext>
-            </a:extLst>
-          </p:cNvPr>
-          <p:cNvCxnSpPr/>
-          <p:nvPr userDrawn="1"/>
-        </p:nvCxnSpPr>
-        <p:spPr>
-          <a:xfrm>
-            <a:off x="3327685" y="3668602"/>
             <a:ext cx="1073719" cy="0"/>
           </a:xfrm>
           <a:prstGeom prst="line">
@@ -9755,50 +9173,6 @@
       </p:cxnSp>
       <p:cxnSp>
         <p:nvCxnSpPr>
-          <p:cNvPr id="42" name="Straight Connector 41">
-            <a:extLst>
-              <a:ext uri="{FF2B5EF4-FFF2-40B4-BE49-F238E27FC236}">
-                <a16:creationId xmlns:a16="http://schemas.microsoft.com/office/drawing/2014/main" id="{BD3F9217-FFF4-9B4B-905A-259F08BAB88D}"/>
-              </a:ext>
-            </a:extLst>
-          </p:cNvPr>
-          <p:cNvCxnSpPr/>
-          <p:nvPr userDrawn="1"/>
-        </p:nvCxnSpPr>
-        <p:spPr>
-          <a:xfrm>
-            <a:off x="3327685" y="4617121"/>
-            <a:ext cx="1073719" cy="0"/>
-          </a:xfrm>
-          <a:prstGeom prst="line">
-            <a:avLst/>
-          </a:prstGeom>
-          <a:noFill/>
-          <a:ln w="9525" cap="flat">
-            <a:solidFill>
-              <a:srgbClr val="000000"/>
-            </a:solidFill>
-            <a:prstDash val="solid"/>
-            <a:miter lim="400000"/>
-          </a:ln>
-          <a:effectLst/>
-          <a:sp3d/>
-        </p:spPr>
-        <p:style>
-          <a:lnRef idx="0">
-            <a:scrgbClr r="0" g="0" b="0"/>
-          </a:lnRef>
-          <a:fillRef idx="0">
-            <a:scrgbClr r="0" g="0" b="0"/>
-          </a:fillRef>
-          <a:effectRef idx="0">
-            <a:scrgbClr r="0" g="0" b="0"/>
-          </a:effectRef>
-          <a:fontRef idx="none"/>
-        </p:style>
-      </p:cxnSp>
-      <p:cxnSp>
-        <p:nvCxnSpPr>
           <p:cNvPr id="43" name="Straight Connector 42">
             <a:extLst>
               <a:ext uri="{FF2B5EF4-FFF2-40B4-BE49-F238E27FC236}">
@@ -9841,54 +9215,10 @@
           <a:fontRef idx="none"/>
         </p:style>
       </p:cxnSp>
-      <p:cxnSp>
-        <p:nvCxnSpPr>
-          <p:cNvPr id="44" name="Straight Connector 43">
-            <a:extLst>
-              <a:ext uri="{FF2B5EF4-FFF2-40B4-BE49-F238E27FC236}">
-                <a16:creationId xmlns:a16="http://schemas.microsoft.com/office/drawing/2014/main" id="{48ED7185-ACB3-9D48-82FE-5FB30FA29E4E}"/>
-              </a:ext>
-            </a:extLst>
-          </p:cNvPr>
-          <p:cNvCxnSpPr/>
-          <p:nvPr userDrawn="1"/>
-        </p:nvCxnSpPr>
-        <p:spPr>
-          <a:xfrm>
-            <a:off x="3327685" y="5558817"/>
-            <a:ext cx="1073719" cy="0"/>
-          </a:xfrm>
-          <a:prstGeom prst="line">
-            <a:avLst/>
-          </a:prstGeom>
-          <a:noFill/>
-          <a:ln w="9525" cap="flat">
-            <a:solidFill>
-              <a:srgbClr val="000000"/>
-            </a:solidFill>
-            <a:prstDash val="solid"/>
-            <a:miter lim="400000"/>
-          </a:ln>
-          <a:effectLst/>
-          <a:sp3d/>
-        </p:spPr>
-        <p:style>
-          <a:lnRef idx="0">
-            <a:scrgbClr r="0" g="0" b="0"/>
-          </a:lnRef>
-          <a:fillRef idx="0">
-            <a:scrgbClr r="0" g="0" b="0"/>
-          </a:fillRef>
-          <a:effectRef idx="0">
-            <a:scrgbClr r="0" g="0" b="0"/>
-          </a:effectRef>
-          <a:fontRef idx="none"/>
-        </p:style>
-      </p:cxnSp>
     </p:spTree>
     <p:extLst>
       <p:ext uri="{BB962C8B-B14F-4D97-AF65-F5344CB8AC3E}">
-        <p14:creationId xmlns:p14="http://schemas.microsoft.com/office/powerpoint/2010/main" val="705257683"/>
+        <p14:creationId xmlns:p14="http://schemas.microsoft.com/office/powerpoint/2010/main" val="376423515"/>
       </p:ext>
     </p:extLst>
   </p:cSld>
@@ -10115,7 +9445,7 @@
     </p:spTree>
     <p:extLst>
       <p:ext uri="{BB962C8B-B14F-4D97-AF65-F5344CB8AC3E}">
-        <p14:creationId xmlns:p14="http://schemas.microsoft.com/office/powerpoint/2010/main" val="2826038263"/>
+        <p14:creationId xmlns:p14="http://schemas.microsoft.com/office/powerpoint/2010/main" val="3349614283"/>
       </p:ext>
     </p:extLst>
   </p:cSld>
@@ -10305,7 +9635,7 @@
     </p:spTree>
     <p:extLst>
       <p:ext uri="{BB962C8B-B14F-4D97-AF65-F5344CB8AC3E}">
-        <p14:creationId xmlns:p14="http://schemas.microsoft.com/office/powerpoint/2010/main" val="634832873"/>
+        <p14:creationId xmlns:p14="http://schemas.microsoft.com/office/powerpoint/2010/main" val="3185238740"/>
       </p:ext>
     </p:extLst>
   </p:cSld>
@@ -10665,7 +9995,7 @@
     </p:spTree>
     <p:extLst>
       <p:ext uri="{BB962C8B-B14F-4D97-AF65-F5344CB8AC3E}">
-        <p14:creationId xmlns:p14="http://schemas.microsoft.com/office/powerpoint/2010/main" val="1758506812"/>
+        <p14:creationId xmlns:p14="http://schemas.microsoft.com/office/powerpoint/2010/main" val="3976039783"/>
       </p:ext>
     </p:extLst>
   </p:cSld>
@@ -10997,7 +10327,7 @@
     </p:spTree>
     <p:extLst>
       <p:ext uri="{BB962C8B-B14F-4D97-AF65-F5344CB8AC3E}">
-        <p14:creationId xmlns:p14="http://schemas.microsoft.com/office/powerpoint/2010/main" val="546109506"/>
+        <p14:creationId xmlns:p14="http://schemas.microsoft.com/office/powerpoint/2010/main" val="2531690323"/>
       </p:ext>
     </p:extLst>
   </p:cSld>
@@ -11030,7 +10360,7 @@
           <p:cNvPr id="2" name="标题 1">
             <a:extLst>
               <a:ext uri="{FF2B5EF4-FFF2-40B4-BE49-F238E27FC236}">
-                <a16:creationId xmlns:a16="http://schemas.microsoft.com/office/drawing/2014/main" id="{541AFD65-785D-4C4B-84E3-FC4F20B7579F}"/>
+                <a16:creationId xmlns:a16="http://schemas.microsoft.com/office/drawing/2014/main" id="{CFD34EE8-44CC-4CB3-B08C-2BEBB7B9E75A}"/>
               </a:ext>
             </a:extLst>
           </p:cNvPr>
@@ -11058,7 +10388,7 @@
           <p:cNvPr id="3" name="内容占位符 2">
             <a:extLst>
               <a:ext uri="{FF2B5EF4-FFF2-40B4-BE49-F238E27FC236}">
-                <a16:creationId xmlns:a16="http://schemas.microsoft.com/office/drawing/2014/main" id="{FCE23A13-D3AC-4A47-B5E1-BAA8F7AB47CB}"/>
+                <a16:creationId xmlns:a16="http://schemas.microsoft.com/office/drawing/2014/main" id="{F2512CD0-6A39-4FF9-A9CB-48019E216AEC}"/>
               </a:ext>
             </a:extLst>
           </p:cNvPr>
@@ -11115,7 +10445,7 @@
           <p:cNvPr id="4" name="日期占位符 3">
             <a:extLst>
               <a:ext uri="{FF2B5EF4-FFF2-40B4-BE49-F238E27FC236}">
-                <a16:creationId xmlns:a16="http://schemas.microsoft.com/office/drawing/2014/main" id="{C2026D8E-2C55-45D6-AD63-466ED2567B6A}"/>
+                <a16:creationId xmlns:a16="http://schemas.microsoft.com/office/drawing/2014/main" id="{3BF053D5-5505-4C00-ABFD-0F1330EB6BAE}"/>
               </a:ext>
             </a:extLst>
           </p:cNvPr>
@@ -11131,9 +10461,9 @@
           <a:bodyPr/>
           <a:lstStyle/>
           <a:p>
-            <a:fld id="{A75491EB-D518-4202-BCDC-BE0F89F7290B}" type="datetimeFigureOut">
+            <a:fld id="{255220F9-96CC-4BC4-BFA8-85F85EAAB64C}" type="datetimeFigureOut">
               <a:rPr lang="zh-CN" altLang="en-US" smtClean="0"/>
-              <a:t>2025/7/29</a:t>
+              <a:t>2025/9/4</a:t>
             </a:fld>
             <a:endParaRPr lang="zh-CN" altLang="en-US"/>
           </a:p>
@@ -11144,7 +10474,7 @@
           <p:cNvPr id="5" name="页脚占位符 4">
             <a:extLst>
               <a:ext uri="{FF2B5EF4-FFF2-40B4-BE49-F238E27FC236}">
-                <a16:creationId xmlns:a16="http://schemas.microsoft.com/office/drawing/2014/main" id="{733A7747-BD65-4771-990E-32A87D0D9378}"/>
+                <a16:creationId xmlns:a16="http://schemas.microsoft.com/office/drawing/2014/main" id="{AFE23459-89A6-4770-AA05-EEBB25323059}"/>
               </a:ext>
             </a:extLst>
           </p:cNvPr>
@@ -11169,7 +10499,7 @@
           <p:cNvPr id="6" name="灯片编号占位符 5">
             <a:extLst>
               <a:ext uri="{FF2B5EF4-FFF2-40B4-BE49-F238E27FC236}">
-                <a16:creationId xmlns:a16="http://schemas.microsoft.com/office/drawing/2014/main" id="{B60D6E3B-6683-4D53-88B2-7F1EF4931969}"/>
+                <a16:creationId xmlns:a16="http://schemas.microsoft.com/office/drawing/2014/main" id="{C82E7DA5-44DB-4FEE-9AB6-3DEFC19290FB}"/>
               </a:ext>
             </a:extLst>
           </p:cNvPr>
@@ -11185,7 +10515,7 @@
           <a:bodyPr/>
           <a:lstStyle/>
           <a:p>
-            <a:fld id="{6098DBBD-AB29-41D4-9BFC-6CDD321025C0}" type="slidenum">
+            <a:fld id="{58188FD2-7E98-4503-B905-CCEF639FD45B}" type="slidenum">
               <a:rPr lang="zh-CN" altLang="en-US" smtClean="0"/>
               <a:t>‹#›</a:t>
             </a:fld>
@@ -11196,7 +10526,7 @@
     </p:spTree>
     <p:extLst>
       <p:ext uri="{BB962C8B-B14F-4D97-AF65-F5344CB8AC3E}">
-        <p14:creationId xmlns:p14="http://schemas.microsoft.com/office/powerpoint/2010/main" val="2385621614"/>
+        <p14:creationId xmlns:p14="http://schemas.microsoft.com/office/powerpoint/2010/main" val="1009685332"/>
       </p:ext>
     </p:extLst>
   </p:cSld>
@@ -11551,7 +10881,7 @@
     </p:spTree>
     <p:extLst>
       <p:ext uri="{BB962C8B-B14F-4D97-AF65-F5344CB8AC3E}">
-        <p14:creationId xmlns:p14="http://schemas.microsoft.com/office/powerpoint/2010/main" val="1131174692"/>
+        <p14:creationId xmlns:p14="http://schemas.microsoft.com/office/powerpoint/2010/main" val="4014832027"/>
       </p:ext>
     </p:extLst>
   </p:cSld>
@@ -12047,7 +11377,7 @@
     </p:spTree>
     <p:extLst>
       <p:ext uri="{BB962C8B-B14F-4D97-AF65-F5344CB8AC3E}">
-        <p14:creationId xmlns:p14="http://schemas.microsoft.com/office/powerpoint/2010/main" val="2824565080"/>
+        <p14:creationId xmlns:p14="http://schemas.microsoft.com/office/powerpoint/2010/main" val="4204264088"/>
       </p:ext>
     </p:extLst>
   </p:cSld>
@@ -12621,7 +11951,7 @@
     </p:spTree>
     <p:extLst>
       <p:ext uri="{BB962C8B-B14F-4D97-AF65-F5344CB8AC3E}">
-        <p14:creationId xmlns:p14="http://schemas.microsoft.com/office/powerpoint/2010/main" val="2662069963"/>
+        <p14:creationId xmlns:p14="http://schemas.microsoft.com/office/powerpoint/2010/main" val="2601662612"/>
       </p:ext>
     </p:extLst>
   </p:cSld>
@@ -14252,7 +13582,7 @@
     </p:spTree>
     <p:extLst>
       <p:ext uri="{BB962C8B-B14F-4D97-AF65-F5344CB8AC3E}">
-        <p14:creationId xmlns:p14="http://schemas.microsoft.com/office/powerpoint/2010/main" val="2179680983"/>
+        <p14:creationId xmlns:p14="http://schemas.microsoft.com/office/powerpoint/2010/main" val="3672972006"/>
       </p:ext>
     </p:extLst>
   </p:cSld>
@@ -14626,7 +13956,7 @@
           <p:nvPr>
             <p:extLst>
               <p:ext uri="{D42A27DB-BD31-4B8C-83A1-F6EECF244321}">
-                <p14:modId xmlns:p14="http://schemas.microsoft.com/office/powerpoint/2010/main" val="1578419391"/>
+                <p14:modId xmlns:p14="http://schemas.microsoft.com/office/powerpoint/2010/main" val="1738287926"/>
               </p:ext>
             </p:extLst>
           </p:nvPr>
@@ -15260,7 +14590,7 @@
     </p:spTree>
     <p:extLst>
       <p:ext uri="{BB962C8B-B14F-4D97-AF65-F5344CB8AC3E}">
-        <p14:creationId xmlns:p14="http://schemas.microsoft.com/office/powerpoint/2010/main" val="1722407728"/>
+        <p14:creationId xmlns:p14="http://schemas.microsoft.com/office/powerpoint/2010/main" val="1128663724"/>
       </p:ext>
     </p:extLst>
   </p:cSld>
@@ -15620,7 +14950,7 @@
     </p:spTree>
     <p:extLst>
       <p:ext uri="{BB962C8B-B14F-4D97-AF65-F5344CB8AC3E}">
-        <p14:creationId xmlns:p14="http://schemas.microsoft.com/office/powerpoint/2010/main" val="2868918409"/>
+        <p14:creationId xmlns:p14="http://schemas.microsoft.com/office/powerpoint/2010/main" val="239049815"/>
       </p:ext>
     </p:extLst>
   </p:cSld>
@@ -15777,7 +15107,7 @@
     </p:spTree>
     <p:extLst>
       <p:ext uri="{BB962C8B-B14F-4D97-AF65-F5344CB8AC3E}">
-        <p14:creationId xmlns:p14="http://schemas.microsoft.com/office/powerpoint/2010/main" val="1672380296"/>
+        <p14:creationId xmlns:p14="http://schemas.microsoft.com/office/powerpoint/2010/main" val="3738323496"/>
       </p:ext>
     </p:extLst>
   </p:cSld>
@@ -15810,7 +15140,7 @@
           <p:cNvPr id="2" name="标题 1">
             <a:extLst>
               <a:ext uri="{FF2B5EF4-FFF2-40B4-BE49-F238E27FC236}">
-                <a16:creationId xmlns:a16="http://schemas.microsoft.com/office/drawing/2014/main" id="{BFF05BD4-1A61-4588-A82A-5AF85FBDF798}"/>
+                <a16:creationId xmlns:a16="http://schemas.microsoft.com/office/drawing/2014/main" id="{BCF083BA-3B92-4233-9D79-86F4116FD452}"/>
               </a:ext>
             </a:extLst>
           </p:cNvPr>
@@ -15847,7 +15177,7 @@
           <p:cNvPr id="3" name="文本占位符 2">
             <a:extLst>
               <a:ext uri="{FF2B5EF4-FFF2-40B4-BE49-F238E27FC236}">
-                <a16:creationId xmlns:a16="http://schemas.microsoft.com/office/drawing/2014/main" id="{E0FF8A60-48E3-4D05-94F6-AF84030C3988}"/>
+                <a16:creationId xmlns:a16="http://schemas.microsoft.com/office/drawing/2014/main" id="{6E2C8AB3-7A73-469F-BB86-64A0356CE7EA}"/>
               </a:ext>
             </a:extLst>
           </p:cNvPr>
@@ -15972,7 +15302,7 @@
           <p:cNvPr id="4" name="日期占位符 3">
             <a:extLst>
               <a:ext uri="{FF2B5EF4-FFF2-40B4-BE49-F238E27FC236}">
-                <a16:creationId xmlns:a16="http://schemas.microsoft.com/office/drawing/2014/main" id="{64083E11-1F34-488A-9CC6-5E88EC208F32}"/>
+                <a16:creationId xmlns:a16="http://schemas.microsoft.com/office/drawing/2014/main" id="{13983A59-CA7A-47A6-B853-B261A190816C}"/>
               </a:ext>
             </a:extLst>
           </p:cNvPr>
@@ -15988,9 +15318,9 @@
           <a:bodyPr/>
           <a:lstStyle/>
           <a:p>
-            <a:fld id="{A75491EB-D518-4202-BCDC-BE0F89F7290B}" type="datetimeFigureOut">
+            <a:fld id="{255220F9-96CC-4BC4-BFA8-85F85EAAB64C}" type="datetimeFigureOut">
               <a:rPr lang="zh-CN" altLang="en-US" smtClean="0"/>
-              <a:t>2025/7/29</a:t>
+              <a:t>2025/9/4</a:t>
             </a:fld>
             <a:endParaRPr lang="zh-CN" altLang="en-US"/>
           </a:p>
@@ -16001,7 +15331,7 @@
           <p:cNvPr id="5" name="页脚占位符 4">
             <a:extLst>
               <a:ext uri="{FF2B5EF4-FFF2-40B4-BE49-F238E27FC236}">
-                <a16:creationId xmlns:a16="http://schemas.microsoft.com/office/drawing/2014/main" id="{0B796FFC-A9EB-482C-8CB3-B05E59AA8B38}"/>
+                <a16:creationId xmlns:a16="http://schemas.microsoft.com/office/drawing/2014/main" id="{0A41222C-2C1D-4171-8261-95C003DA9556}"/>
               </a:ext>
             </a:extLst>
           </p:cNvPr>
@@ -16026,7 +15356,7 @@
           <p:cNvPr id="6" name="灯片编号占位符 5">
             <a:extLst>
               <a:ext uri="{FF2B5EF4-FFF2-40B4-BE49-F238E27FC236}">
-                <a16:creationId xmlns:a16="http://schemas.microsoft.com/office/drawing/2014/main" id="{AF68611D-2263-4BDF-92B1-37A2736CFB36}"/>
+                <a16:creationId xmlns:a16="http://schemas.microsoft.com/office/drawing/2014/main" id="{16AF84F2-26A9-4958-9464-9A3E5B1D00D5}"/>
               </a:ext>
             </a:extLst>
           </p:cNvPr>
@@ -16042,7 +15372,7 @@
           <a:bodyPr/>
           <a:lstStyle/>
           <a:p>
-            <a:fld id="{6098DBBD-AB29-41D4-9BFC-6CDD321025C0}" type="slidenum">
+            <a:fld id="{58188FD2-7E98-4503-B905-CCEF639FD45B}" type="slidenum">
               <a:rPr lang="zh-CN" altLang="en-US" smtClean="0"/>
               <a:t>‹#›</a:t>
             </a:fld>
@@ -16053,7 +15383,7 @@
     </p:spTree>
     <p:extLst>
       <p:ext uri="{BB962C8B-B14F-4D97-AF65-F5344CB8AC3E}">
-        <p14:creationId xmlns:p14="http://schemas.microsoft.com/office/powerpoint/2010/main" val="3006538503"/>
+        <p14:creationId xmlns:p14="http://schemas.microsoft.com/office/powerpoint/2010/main" val="1273824478"/>
       </p:ext>
     </p:extLst>
   </p:cSld>
@@ -16085,7 +15415,7 @@
           <p:cNvPr id="2" name="标题 1">
             <a:extLst>
               <a:ext uri="{FF2B5EF4-FFF2-40B4-BE49-F238E27FC236}">
-                <a16:creationId xmlns:a16="http://schemas.microsoft.com/office/drawing/2014/main" id="{1563B3BF-715F-4B5B-A846-33A492E19C88}"/>
+                <a16:creationId xmlns:a16="http://schemas.microsoft.com/office/drawing/2014/main" id="{8C32F755-B182-4707-B51E-7A0E0785B70E}"/>
               </a:ext>
             </a:extLst>
           </p:cNvPr>
@@ -16113,7 +15443,7 @@
           <p:cNvPr id="3" name="内容占位符 2">
             <a:extLst>
               <a:ext uri="{FF2B5EF4-FFF2-40B4-BE49-F238E27FC236}">
-                <a16:creationId xmlns:a16="http://schemas.microsoft.com/office/drawing/2014/main" id="{83947E8C-1684-4286-9750-6CF9CC3F0BA5}"/>
+                <a16:creationId xmlns:a16="http://schemas.microsoft.com/office/drawing/2014/main" id="{8CB98B7A-056C-4EF1-945A-083ADE23F4ED}"/>
               </a:ext>
             </a:extLst>
           </p:cNvPr>
@@ -16175,7 +15505,7 @@
           <p:cNvPr id="4" name="内容占位符 3">
             <a:extLst>
               <a:ext uri="{FF2B5EF4-FFF2-40B4-BE49-F238E27FC236}">
-                <a16:creationId xmlns:a16="http://schemas.microsoft.com/office/drawing/2014/main" id="{25FDA824-5E7F-4E6E-A052-C3F70C3C254E}"/>
+                <a16:creationId xmlns:a16="http://schemas.microsoft.com/office/drawing/2014/main" id="{8E380EBC-9D67-47EC-B95C-56C123FCF51C}"/>
               </a:ext>
             </a:extLst>
           </p:cNvPr>
@@ -16237,7 +15567,7 @@
           <p:cNvPr id="5" name="日期占位符 4">
             <a:extLst>
               <a:ext uri="{FF2B5EF4-FFF2-40B4-BE49-F238E27FC236}">
-                <a16:creationId xmlns:a16="http://schemas.microsoft.com/office/drawing/2014/main" id="{81FB90BE-9C17-47C0-834A-BA59D6BD3E6F}"/>
+                <a16:creationId xmlns:a16="http://schemas.microsoft.com/office/drawing/2014/main" id="{E1DD4698-DBC3-4406-AF4F-879FB2FA835F}"/>
               </a:ext>
             </a:extLst>
           </p:cNvPr>
@@ -16253,9 +15583,9 @@
           <a:bodyPr/>
           <a:lstStyle/>
           <a:p>
-            <a:fld id="{A75491EB-D518-4202-BCDC-BE0F89F7290B}" type="datetimeFigureOut">
+            <a:fld id="{255220F9-96CC-4BC4-BFA8-85F85EAAB64C}" type="datetimeFigureOut">
               <a:rPr lang="zh-CN" altLang="en-US" smtClean="0"/>
-              <a:t>2025/7/29</a:t>
+              <a:t>2025/9/4</a:t>
             </a:fld>
             <a:endParaRPr lang="zh-CN" altLang="en-US"/>
           </a:p>
@@ -16266,7 +15596,7 @@
           <p:cNvPr id="6" name="页脚占位符 5">
             <a:extLst>
               <a:ext uri="{FF2B5EF4-FFF2-40B4-BE49-F238E27FC236}">
-                <a16:creationId xmlns:a16="http://schemas.microsoft.com/office/drawing/2014/main" id="{3870010A-9976-4DC6-BF25-B9DB2A7CF331}"/>
+                <a16:creationId xmlns:a16="http://schemas.microsoft.com/office/drawing/2014/main" id="{51483318-0083-4700-B6E2-135915F1BBB5}"/>
               </a:ext>
             </a:extLst>
           </p:cNvPr>
@@ -16291,7 +15621,7 @@
           <p:cNvPr id="7" name="灯片编号占位符 6">
             <a:extLst>
               <a:ext uri="{FF2B5EF4-FFF2-40B4-BE49-F238E27FC236}">
-                <a16:creationId xmlns:a16="http://schemas.microsoft.com/office/drawing/2014/main" id="{B9CF6FA9-B060-4E92-8F09-F0E8BE43BCD2}"/>
+                <a16:creationId xmlns:a16="http://schemas.microsoft.com/office/drawing/2014/main" id="{AF99E619-5C5C-459C-9157-3AD1328359DB}"/>
               </a:ext>
             </a:extLst>
           </p:cNvPr>
@@ -16307,7 +15637,7 @@
           <a:bodyPr/>
           <a:lstStyle/>
           <a:p>
-            <a:fld id="{6098DBBD-AB29-41D4-9BFC-6CDD321025C0}" type="slidenum">
+            <a:fld id="{58188FD2-7E98-4503-B905-CCEF639FD45B}" type="slidenum">
               <a:rPr lang="zh-CN" altLang="en-US" smtClean="0"/>
               <a:t>‹#›</a:t>
             </a:fld>
@@ -16318,7 +15648,7 @@
     </p:spTree>
     <p:extLst>
       <p:ext uri="{BB962C8B-B14F-4D97-AF65-F5344CB8AC3E}">
-        <p14:creationId xmlns:p14="http://schemas.microsoft.com/office/powerpoint/2010/main" val="2108871666"/>
+        <p14:creationId xmlns:p14="http://schemas.microsoft.com/office/powerpoint/2010/main" val="2492783927"/>
       </p:ext>
     </p:extLst>
   </p:cSld>
@@ -16350,7 +15680,7 @@
           <p:cNvPr id="2" name="标题 1">
             <a:extLst>
               <a:ext uri="{FF2B5EF4-FFF2-40B4-BE49-F238E27FC236}">
-                <a16:creationId xmlns:a16="http://schemas.microsoft.com/office/drawing/2014/main" id="{3BE4C8C2-5503-49E5-94F4-89C86D74F650}"/>
+                <a16:creationId xmlns:a16="http://schemas.microsoft.com/office/drawing/2014/main" id="{80EF87DD-678C-42B9-860D-A5C0CE6D94E5}"/>
               </a:ext>
             </a:extLst>
           </p:cNvPr>
@@ -16383,7 +15713,7 @@
           <p:cNvPr id="3" name="文本占位符 2">
             <a:extLst>
               <a:ext uri="{FF2B5EF4-FFF2-40B4-BE49-F238E27FC236}">
-                <a16:creationId xmlns:a16="http://schemas.microsoft.com/office/drawing/2014/main" id="{ED63C2CC-E941-4EC8-94DD-F894F2AE0D73}"/>
+                <a16:creationId xmlns:a16="http://schemas.microsoft.com/office/drawing/2014/main" id="{AFC37124-105C-41BC-AF9D-3A3DE2D9590A}"/>
               </a:ext>
             </a:extLst>
           </p:cNvPr>
@@ -16454,7 +15784,7 @@
           <p:cNvPr id="4" name="内容占位符 3">
             <a:extLst>
               <a:ext uri="{FF2B5EF4-FFF2-40B4-BE49-F238E27FC236}">
-                <a16:creationId xmlns:a16="http://schemas.microsoft.com/office/drawing/2014/main" id="{2775C279-9957-44EF-8A1A-CF3F4A6EB36C}"/>
+                <a16:creationId xmlns:a16="http://schemas.microsoft.com/office/drawing/2014/main" id="{B2192654-9ED8-413B-A5AB-AE76FED519A7}"/>
               </a:ext>
             </a:extLst>
           </p:cNvPr>
@@ -16516,7 +15846,7 @@
           <p:cNvPr id="5" name="文本占位符 4">
             <a:extLst>
               <a:ext uri="{FF2B5EF4-FFF2-40B4-BE49-F238E27FC236}">
-                <a16:creationId xmlns:a16="http://schemas.microsoft.com/office/drawing/2014/main" id="{9D7DBF3D-2177-4679-B2F9-173BD324581C}"/>
+                <a16:creationId xmlns:a16="http://schemas.microsoft.com/office/drawing/2014/main" id="{E8C41080-DFB9-40B2-9C0E-6FE98E2DA924}"/>
               </a:ext>
             </a:extLst>
           </p:cNvPr>
@@ -16587,7 +15917,7 @@
           <p:cNvPr id="6" name="内容占位符 5">
             <a:extLst>
               <a:ext uri="{FF2B5EF4-FFF2-40B4-BE49-F238E27FC236}">
-                <a16:creationId xmlns:a16="http://schemas.microsoft.com/office/drawing/2014/main" id="{082648F4-1E19-4F51-9A5C-86B6FDDAB926}"/>
+                <a16:creationId xmlns:a16="http://schemas.microsoft.com/office/drawing/2014/main" id="{EA3BC6BA-80CF-45EF-A3CE-B470DFF36213}"/>
               </a:ext>
             </a:extLst>
           </p:cNvPr>
@@ -16649,7 +15979,7 @@
           <p:cNvPr id="7" name="日期占位符 6">
             <a:extLst>
               <a:ext uri="{FF2B5EF4-FFF2-40B4-BE49-F238E27FC236}">
-                <a16:creationId xmlns:a16="http://schemas.microsoft.com/office/drawing/2014/main" id="{5C019BD7-F86B-4529-8E1F-60C33B17AF8C}"/>
+                <a16:creationId xmlns:a16="http://schemas.microsoft.com/office/drawing/2014/main" id="{05B034A4-A4EE-4958-BE74-8F8783A4AE95}"/>
               </a:ext>
             </a:extLst>
           </p:cNvPr>
@@ -16665,9 +15995,9 @@
           <a:bodyPr/>
           <a:lstStyle/>
           <a:p>
-            <a:fld id="{A75491EB-D518-4202-BCDC-BE0F89F7290B}" type="datetimeFigureOut">
+            <a:fld id="{255220F9-96CC-4BC4-BFA8-85F85EAAB64C}" type="datetimeFigureOut">
               <a:rPr lang="zh-CN" altLang="en-US" smtClean="0"/>
-              <a:t>2025/7/29</a:t>
+              <a:t>2025/9/4</a:t>
             </a:fld>
             <a:endParaRPr lang="zh-CN" altLang="en-US"/>
           </a:p>
@@ -16678,7 +16008,7 @@
           <p:cNvPr id="8" name="页脚占位符 7">
             <a:extLst>
               <a:ext uri="{FF2B5EF4-FFF2-40B4-BE49-F238E27FC236}">
-                <a16:creationId xmlns:a16="http://schemas.microsoft.com/office/drawing/2014/main" id="{909DCE21-7E7F-4144-9660-558065B543AD}"/>
+                <a16:creationId xmlns:a16="http://schemas.microsoft.com/office/drawing/2014/main" id="{6235894A-9A06-4AEB-BD3E-1A1261A00E7B}"/>
               </a:ext>
             </a:extLst>
           </p:cNvPr>
@@ -16703,7 +16033,7 @@
           <p:cNvPr id="9" name="灯片编号占位符 8">
             <a:extLst>
               <a:ext uri="{FF2B5EF4-FFF2-40B4-BE49-F238E27FC236}">
-                <a16:creationId xmlns:a16="http://schemas.microsoft.com/office/drawing/2014/main" id="{946EE83F-F135-4643-AD33-72336453255C}"/>
+                <a16:creationId xmlns:a16="http://schemas.microsoft.com/office/drawing/2014/main" id="{A34F65FB-AE86-4996-B726-537AC6ECAD88}"/>
               </a:ext>
             </a:extLst>
           </p:cNvPr>
@@ -16719,7 +16049,7 @@
           <a:bodyPr/>
           <a:lstStyle/>
           <a:p>
-            <a:fld id="{6098DBBD-AB29-41D4-9BFC-6CDD321025C0}" type="slidenum">
+            <a:fld id="{58188FD2-7E98-4503-B905-CCEF639FD45B}" type="slidenum">
               <a:rPr lang="zh-CN" altLang="en-US" smtClean="0"/>
               <a:t>‹#›</a:t>
             </a:fld>
@@ -16730,7 +16060,7 @@
     </p:spTree>
     <p:extLst>
       <p:ext uri="{BB962C8B-B14F-4D97-AF65-F5344CB8AC3E}">
-        <p14:creationId xmlns:p14="http://schemas.microsoft.com/office/powerpoint/2010/main" val="968453574"/>
+        <p14:creationId xmlns:p14="http://schemas.microsoft.com/office/powerpoint/2010/main" val="1628449454"/>
       </p:ext>
     </p:extLst>
   </p:cSld>
@@ -16762,7 +16092,7 @@
           <p:cNvPr id="2" name="标题 1">
             <a:extLst>
               <a:ext uri="{FF2B5EF4-FFF2-40B4-BE49-F238E27FC236}">
-                <a16:creationId xmlns:a16="http://schemas.microsoft.com/office/drawing/2014/main" id="{FDB4421B-45CD-454B-9DD5-E446C1605D2D}"/>
+                <a16:creationId xmlns:a16="http://schemas.microsoft.com/office/drawing/2014/main" id="{68BE0C69-435C-4270-B2F7-F331ACCB1A4B}"/>
               </a:ext>
             </a:extLst>
           </p:cNvPr>
@@ -16790,7 +16120,7 @@
           <p:cNvPr id="3" name="日期占位符 2">
             <a:extLst>
               <a:ext uri="{FF2B5EF4-FFF2-40B4-BE49-F238E27FC236}">
-                <a16:creationId xmlns:a16="http://schemas.microsoft.com/office/drawing/2014/main" id="{5844803C-0D29-4F7C-9BA3-CAFCA34FCA51}"/>
+                <a16:creationId xmlns:a16="http://schemas.microsoft.com/office/drawing/2014/main" id="{EC45351F-B9BF-4DBD-943C-D051C8BF473D}"/>
               </a:ext>
             </a:extLst>
           </p:cNvPr>
@@ -16806,9 +16136,9 @@
           <a:bodyPr/>
           <a:lstStyle/>
           <a:p>
-            <a:fld id="{A75491EB-D518-4202-BCDC-BE0F89F7290B}" type="datetimeFigureOut">
+            <a:fld id="{255220F9-96CC-4BC4-BFA8-85F85EAAB64C}" type="datetimeFigureOut">
               <a:rPr lang="zh-CN" altLang="en-US" smtClean="0"/>
-              <a:t>2025/7/29</a:t>
+              <a:t>2025/9/4</a:t>
             </a:fld>
             <a:endParaRPr lang="zh-CN" altLang="en-US"/>
           </a:p>
@@ -16819,7 +16149,7 @@
           <p:cNvPr id="4" name="页脚占位符 3">
             <a:extLst>
               <a:ext uri="{FF2B5EF4-FFF2-40B4-BE49-F238E27FC236}">
-                <a16:creationId xmlns:a16="http://schemas.microsoft.com/office/drawing/2014/main" id="{DD726C98-2ADD-45FA-9DEE-69867B910E52}"/>
+                <a16:creationId xmlns:a16="http://schemas.microsoft.com/office/drawing/2014/main" id="{D329F49A-9CDF-42F4-9804-F5084161FCF7}"/>
               </a:ext>
             </a:extLst>
           </p:cNvPr>
@@ -16844,7 +16174,7 @@
           <p:cNvPr id="5" name="灯片编号占位符 4">
             <a:extLst>
               <a:ext uri="{FF2B5EF4-FFF2-40B4-BE49-F238E27FC236}">
-                <a16:creationId xmlns:a16="http://schemas.microsoft.com/office/drawing/2014/main" id="{A968BB85-FA7F-4D09-86EF-5B9407F6E093}"/>
+                <a16:creationId xmlns:a16="http://schemas.microsoft.com/office/drawing/2014/main" id="{39CEF15B-DF12-4BB2-B2C0-72573ED807E6}"/>
               </a:ext>
             </a:extLst>
           </p:cNvPr>
@@ -16860,7 +16190,7 @@
           <a:bodyPr/>
           <a:lstStyle/>
           <a:p>
-            <a:fld id="{6098DBBD-AB29-41D4-9BFC-6CDD321025C0}" type="slidenum">
+            <a:fld id="{58188FD2-7E98-4503-B905-CCEF639FD45B}" type="slidenum">
               <a:rPr lang="zh-CN" altLang="en-US" smtClean="0"/>
               <a:t>‹#›</a:t>
             </a:fld>
@@ -16871,7 +16201,7 @@
     </p:spTree>
     <p:extLst>
       <p:ext uri="{BB962C8B-B14F-4D97-AF65-F5344CB8AC3E}">
-        <p14:creationId xmlns:p14="http://schemas.microsoft.com/office/powerpoint/2010/main" val="2772985661"/>
+        <p14:creationId xmlns:p14="http://schemas.microsoft.com/office/powerpoint/2010/main" val="881977537"/>
       </p:ext>
     </p:extLst>
   </p:cSld>
@@ -16903,7 +16233,7 @@
           <p:cNvPr id="2" name="日期占位符 1">
             <a:extLst>
               <a:ext uri="{FF2B5EF4-FFF2-40B4-BE49-F238E27FC236}">
-                <a16:creationId xmlns:a16="http://schemas.microsoft.com/office/drawing/2014/main" id="{0145CF40-2DD2-4562-91D2-BE9D497B1DC5}"/>
+                <a16:creationId xmlns:a16="http://schemas.microsoft.com/office/drawing/2014/main" id="{5FA9F3E4-6009-49F6-A1C4-7EE93608E973}"/>
               </a:ext>
             </a:extLst>
           </p:cNvPr>
@@ -16919,9 +16249,9 @@
           <a:bodyPr/>
           <a:lstStyle/>
           <a:p>
-            <a:fld id="{A75491EB-D518-4202-BCDC-BE0F89F7290B}" type="datetimeFigureOut">
+            <a:fld id="{255220F9-96CC-4BC4-BFA8-85F85EAAB64C}" type="datetimeFigureOut">
               <a:rPr lang="zh-CN" altLang="en-US" smtClean="0"/>
-              <a:t>2025/7/29</a:t>
+              <a:t>2025/9/4</a:t>
             </a:fld>
             <a:endParaRPr lang="zh-CN" altLang="en-US"/>
           </a:p>
@@ -16932,7 +16262,7 @@
           <p:cNvPr id="3" name="页脚占位符 2">
             <a:extLst>
               <a:ext uri="{FF2B5EF4-FFF2-40B4-BE49-F238E27FC236}">
-                <a16:creationId xmlns:a16="http://schemas.microsoft.com/office/drawing/2014/main" id="{AC8665D4-24A1-4B4F-BC90-E51129ED4299}"/>
+                <a16:creationId xmlns:a16="http://schemas.microsoft.com/office/drawing/2014/main" id="{34468308-D1AE-4AAA-B212-79BE105268C0}"/>
               </a:ext>
             </a:extLst>
           </p:cNvPr>
@@ -16957,7 +16287,7 @@
           <p:cNvPr id="4" name="灯片编号占位符 3">
             <a:extLst>
               <a:ext uri="{FF2B5EF4-FFF2-40B4-BE49-F238E27FC236}">
-                <a16:creationId xmlns:a16="http://schemas.microsoft.com/office/drawing/2014/main" id="{53A52340-1310-42FB-AC78-59FEDD3D064F}"/>
+                <a16:creationId xmlns:a16="http://schemas.microsoft.com/office/drawing/2014/main" id="{77E721AA-5AAE-4AB4-B68E-A2BA161F8C3C}"/>
               </a:ext>
             </a:extLst>
           </p:cNvPr>
@@ -16973,7 +16303,7 @@
           <a:bodyPr/>
           <a:lstStyle/>
           <a:p>
-            <a:fld id="{6098DBBD-AB29-41D4-9BFC-6CDD321025C0}" type="slidenum">
+            <a:fld id="{58188FD2-7E98-4503-B905-CCEF639FD45B}" type="slidenum">
               <a:rPr lang="zh-CN" altLang="en-US" smtClean="0"/>
               <a:t>‹#›</a:t>
             </a:fld>
@@ -16984,7 +16314,7 @@
     </p:spTree>
     <p:extLst>
       <p:ext uri="{BB962C8B-B14F-4D97-AF65-F5344CB8AC3E}">
-        <p14:creationId xmlns:p14="http://schemas.microsoft.com/office/powerpoint/2010/main" val="809126663"/>
+        <p14:creationId xmlns:p14="http://schemas.microsoft.com/office/powerpoint/2010/main" val="3864287798"/>
       </p:ext>
     </p:extLst>
   </p:cSld>
@@ -17016,7 +16346,7 @@
           <p:cNvPr id="2" name="标题 1">
             <a:extLst>
               <a:ext uri="{FF2B5EF4-FFF2-40B4-BE49-F238E27FC236}">
-                <a16:creationId xmlns:a16="http://schemas.microsoft.com/office/drawing/2014/main" id="{7370F22C-1205-4174-AEE3-DD6220E30AAD}"/>
+                <a16:creationId xmlns:a16="http://schemas.microsoft.com/office/drawing/2014/main" id="{15E91091-79A9-4D21-81CD-217D6A2FF854}"/>
               </a:ext>
             </a:extLst>
           </p:cNvPr>
@@ -17053,7 +16383,7 @@
           <p:cNvPr id="3" name="内容占位符 2">
             <a:extLst>
               <a:ext uri="{FF2B5EF4-FFF2-40B4-BE49-F238E27FC236}">
-                <a16:creationId xmlns:a16="http://schemas.microsoft.com/office/drawing/2014/main" id="{BDABFB59-144C-4C5B-AA21-CB1901333876}"/>
+                <a16:creationId xmlns:a16="http://schemas.microsoft.com/office/drawing/2014/main" id="{7260625E-4506-4EEA-AEC8-FA2B7A4B7F26}"/>
               </a:ext>
             </a:extLst>
           </p:cNvPr>
@@ -17143,7 +16473,7 @@
           <p:cNvPr id="4" name="文本占位符 3">
             <a:extLst>
               <a:ext uri="{FF2B5EF4-FFF2-40B4-BE49-F238E27FC236}">
-                <a16:creationId xmlns:a16="http://schemas.microsoft.com/office/drawing/2014/main" id="{1D736664-2FC6-4C92-9218-4342D9550141}"/>
+                <a16:creationId xmlns:a16="http://schemas.microsoft.com/office/drawing/2014/main" id="{A8F523C3-3176-421F-B610-F1B54511B068}"/>
               </a:ext>
             </a:extLst>
           </p:cNvPr>
@@ -17214,7 +16544,7 @@
           <p:cNvPr id="5" name="日期占位符 4">
             <a:extLst>
               <a:ext uri="{FF2B5EF4-FFF2-40B4-BE49-F238E27FC236}">
-                <a16:creationId xmlns:a16="http://schemas.microsoft.com/office/drawing/2014/main" id="{4AB37022-BA81-44D5-A255-2714ABBB9CF6}"/>
+                <a16:creationId xmlns:a16="http://schemas.microsoft.com/office/drawing/2014/main" id="{4A3355CD-DD0A-4696-AB58-A641D1B9B94E}"/>
               </a:ext>
             </a:extLst>
           </p:cNvPr>
@@ -17230,9 +16560,9 @@
           <a:bodyPr/>
           <a:lstStyle/>
           <a:p>
-            <a:fld id="{A75491EB-D518-4202-BCDC-BE0F89F7290B}" type="datetimeFigureOut">
+            <a:fld id="{255220F9-96CC-4BC4-BFA8-85F85EAAB64C}" type="datetimeFigureOut">
               <a:rPr lang="zh-CN" altLang="en-US" smtClean="0"/>
-              <a:t>2025/7/29</a:t>
+              <a:t>2025/9/4</a:t>
             </a:fld>
             <a:endParaRPr lang="zh-CN" altLang="en-US"/>
           </a:p>
@@ -17243,7 +16573,7 @@
           <p:cNvPr id="6" name="页脚占位符 5">
             <a:extLst>
               <a:ext uri="{FF2B5EF4-FFF2-40B4-BE49-F238E27FC236}">
-                <a16:creationId xmlns:a16="http://schemas.microsoft.com/office/drawing/2014/main" id="{ACF588CD-528F-46BD-BFA6-6126DBABB8F5}"/>
+                <a16:creationId xmlns:a16="http://schemas.microsoft.com/office/drawing/2014/main" id="{9BE8153D-8E91-4BE5-A33D-4D67CD2643B9}"/>
               </a:ext>
             </a:extLst>
           </p:cNvPr>
@@ -17268,7 +16598,7 @@
           <p:cNvPr id="7" name="灯片编号占位符 6">
             <a:extLst>
               <a:ext uri="{FF2B5EF4-FFF2-40B4-BE49-F238E27FC236}">
-                <a16:creationId xmlns:a16="http://schemas.microsoft.com/office/drawing/2014/main" id="{6DB4FBFF-C871-4271-8BA7-F27629F1EB67}"/>
+                <a16:creationId xmlns:a16="http://schemas.microsoft.com/office/drawing/2014/main" id="{C4634E13-2C69-4B8D-A210-9B986B211C89}"/>
               </a:ext>
             </a:extLst>
           </p:cNvPr>
@@ -17284,7 +16614,7 @@
           <a:bodyPr/>
           <a:lstStyle/>
           <a:p>
-            <a:fld id="{6098DBBD-AB29-41D4-9BFC-6CDD321025C0}" type="slidenum">
+            <a:fld id="{58188FD2-7E98-4503-B905-CCEF639FD45B}" type="slidenum">
               <a:rPr lang="zh-CN" altLang="en-US" smtClean="0"/>
               <a:t>‹#›</a:t>
             </a:fld>
@@ -17295,7 +16625,7 @@
     </p:spTree>
     <p:extLst>
       <p:ext uri="{BB962C8B-B14F-4D97-AF65-F5344CB8AC3E}">
-        <p14:creationId xmlns:p14="http://schemas.microsoft.com/office/powerpoint/2010/main" val="2154251745"/>
+        <p14:creationId xmlns:p14="http://schemas.microsoft.com/office/powerpoint/2010/main" val="2081958732"/>
       </p:ext>
     </p:extLst>
   </p:cSld>
@@ -17327,7 +16657,7 @@
           <p:cNvPr id="2" name="标题 1">
             <a:extLst>
               <a:ext uri="{FF2B5EF4-FFF2-40B4-BE49-F238E27FC236}">
-                <a16:creationId xmlns:a16="http://schemas.microsoft.com/office/drawing/2014/main" id="{AA1D9EA7-A95C-4B09-89C2-ABACEDA891FE}"/>
+                <a16:creationId xmlns:a16="http://schemas.microsoft.com/office/drawing/2014/main" id="{892A90A2-985D-4E3E-937E-43937B1F1883}"/>
               </a:ext>
             </a:extLst>
           </p:cNvPr>
@@ -17364,7 +16694,7 @@
           <p:cNvPr id="3" name="图片占位符 2">
             <a:extLst>
               <a:ext uri="{FF2B5EF4-FFF2-40B4-BE49-F238E27FC236}">
-                <a16:creationId xmlns:a16="http://schemas.microsoft.com/office/drawing/2014/main" id="{ECC28EE3-AB5B-466D-88C9-CE99350F118A}"/>
+                <a16:creationId xmlns:a16="http://schemas.microsoft.com/office/drawing/2014/main" id="{42364171-1D09-499A-AE52-475060AF98B5}"/>
               </a:ext>
             </a:extLst>
           </p:cNvPr>
@@ -17431,7 +16761,7 @@
           <p:cNvPr id="4" name="文本占位符 3">
             <a:extLst>
               <a:ext uri="{FF2B5EF4-FFF2-40B4-BE49-F238E27FC236}">
-                <a16:creationId xmlns:a16="http://schemas.microsoft.com/office/drawing/2014/main" id="{A7E38E96-4335-4543-8AF2-478F95181702}"/>
+                <a16:creationId xmlns:a16="http://schemas.microsoft.com/office/drawing/2014/main" id="{A1EA4D8A-6714-4A65-8280-85565B38A976}"/>
               </a:ext>
             </a:extLst>
           </p:cNvPr>
@@ -17502,7 +16832,7 @@
           <p:cNvPr id="5" name="日期占位符 4">
             <a:extLst>
               <a:ext uri="{FF2B5EF4-FFF2-40B4-BE49-F238E27FC236}">
-                <a16:creationId xmlns:a16="http://schemas.microsoft.com/office/drawing/2014/main" id="{CBCF8AD8-CECB-413F-A31D-C67BA584739E}"/>
+                <a16:creationId xmlns:a16="http://schemas.microsoft.com/office/drawing/2014/main" id="{679973EA-6375-4D43-A0A7-F01D49DB2ED2}"/>
               </a:ext>
             </a:extLst>
           </p:cNvPr>
@@ -17518,9 +16848,9 @@
           <a:bodyPr/>
           <a:lstStyle/>
           <a:p>
-            <a:fld id="{A75491EB-D518-4202-BCDC-BE0F89F7290B}" type="datetimeFigureOut">
+            <a:fld id="{255220F9-96CC-4BC4-BFA8-85F85EAAB64C}" type="datetimeFigureOut">
               <a:rPr lang="zh-CN" altLang="en-US" smtClean="0"/>
-              <a:t>2025/7/29</a:t>
+              <a:t>2025/9/4</a:t>
             </a:fld>
             <a:endParaRPr lang="zh-CN" altLang="en-US"/>
           </a:p>
@@ -17531,7 +16861,7 @@
           <p:cNvPr id="6" name="页脚占位符 5">
             <a:extLst>
               <a:ext uri="{FF2B5EF4-FFF2-40B4-BE49-F238E27FC236}">
-                <a16:creationId xmlns:a16="http://schemas.microsoft.com/office/drawing/2014/main" id="{4A653EA5-786B-471E-B19A-916A787800AB}"/>
+                <a16:creationId xmlns:a16="http://schemas.microsoft.com/office/drawing/2014/main" id="{D7FE9893-815A-4094-B571-B9F2989EDE89}"/>
               </a:ext>
             </a:extLst>
           </p:cNvPr>
@@ -17556,7 +16886,7 @@
           <p:cNvPr id="7" name="灯片编号占位符 6">
             <a:extLst>
               <a:ext uri="{FF2B5EF4-FFF2-40B4-BE49-F238E27FC236}">
-                <a16:creationId xmlns:a16="http://schemas.microsoft.com/office/drawing/2014/main" id="{A7E9372A-8813-4B96-9ADF-283A5E8F56E5}"/>
+                <a16:creationId xmlns:a16="http://schemas.microsoft.com/office/drawing/2014/main" id="{A466EEBA-7A07-47C0-9A0B-31A24680FEE9}"/>
               </a:ext>
             </a:extLst>
           </p:cNvPr>
@@ -17572,7 +16902,7 @@
           <a:bodyPr/>
           <a:lstStyle/>
           <a:p>
-            <a:fld id="{6098DBBD-AB29-41D4-9BFC-6CDD321025C0}" type="slidenum">
+            <a:fld id="{58188FD2-7E98-4503-B905-CCEF639FD45B}" type="slidenum">
               <a:rPr lang="zh-CN" altLang="en-US" smtClean="0"/>
               <a:t>‹#›</a:t>
             </a:fld>
@@ -17583,7 +16913,7 @@
     </p:spTree>
     <p:extLst>
       <p:ext uri="{BB962C8B-B14F-4D97-AF65-F5344CB8AC3E}">
-        <p14:creationId xmlns:p14="http://schemas.microsoft.com/office/powerpoint/2010/main" val="1612537163"/>
+        <p14:creationId xmlns:p14="http://schemas.microsoft.com/office/powerpoint/2010/main" val="2209016602"/>
       </p:ext>
     </p:extLst>
   </p:cSld>
@@ -17620,7 +16950,7 @@
           <p:cNvPr id="2" name="标题占位符 1">
             <a:extLst>
               <a:ext uri="{FF2B5EF4-FFF2-40B4-BE49-F238E27FC236}">
-                <a16:creationId xmlns:a16="http://schemas.microsoft.com/office/drawing/2014/main" id="{98E2C343-C828-46FC-B73F-89ABE06EC87E}"/>
+                <a16:creationId xmlns:a16="http://schemas.microsoft.com/office/drawing/2014/main" id="{88DE5605-6C0A-458C-8D25-4F44C3A558EA}"/>
               </a:ext>
             </a:extLst>
           </p:cNvPr>
@@ -17658,7 +16988,7 @@
           <p:cNvPr id="3" name="文本占位符 2">
             <a:extLst>
               <a:ext uri="{FF2B5EF4-FFF2-40B4-BE49-F238E27FC236}">
-                <a16:creationId xmlns:a16="http://schemas.microsoft.com/office/drawing/2014/main" id="{2CCA8756-8284-4860-9628-2A412A643069}"/>
+                <a16:creationId xmlns:a16="http://schemas.microsoft.com/office/drawing/2014/main" id="{3533E9FB-71E9-4FC0-9418-8C3EB313FC25}"/>
               </a:ext>
             </a:extLst>
           </p:cNvPr>
@@ -17725,7 +17055,7 @@
           <p:cNvPr id="4" name="日期占位符 3">
             <a:extLst>
               <a:ext uri="{FF2B5EF4-FFF2-40B4-BE49-F238E27FC236}">
-                <a16:creationId xmlns:a16="http://schemas.microsoft.com/office/drawing/2014/main" id="{23515E50-49A6-4A8D-9A47-35BEEE86ECF6}"/>
+                <a16:creationId xmlns:a16="http://schemas.microsoft.com/office/drawing/2014/main" id="{63034E6F-436A-40C5-87DB-91F35CDD264A}"/>
               </a:ext>
             </a:extLst>
           </p:cNvPr>
@@ -17759,9 +17089,9 @@
             </a:lvl1pPr>
           </a:lstStyle>
           <a:p>
-            <a:fld id="{A75491EB-D518-4202-BCDC-BE0F89F7290B}" type="datetimeFigureOut">
+            <a:fld id="{255220F9-96CC-4BC4-BFA8-85F85EAAB64C}" type="datetimeFigureOut">
               <a:rPr lang="zh-CN" altLang="en-US" smtClean="0"/>
-              <a:t>2025/7/29</a:t>
+              <a:t>2025/9/4</a:t>
             </a:fld>
             <a:endParaRPr lang="zh-CN" altLang="en-US"/>
           </a:p>
@@ -17772,7 +17102,7 @@
           <p:cNvPr id="5" name="页脚占位符 4">
             <a:extLst>
               <a:ext uri="{FF2B5EF4-FFF2-40B4-BE49-F238E27FC236}">
-                <a16:creationId xmlns:a16="http://schemas.microsoft.com/office/drawing/2014/main" id="{E182771D-C873-40B6-B8E5-BEAAB84A8E4A}"/>
+                <a16:creationId xmlns:a16="http://schemas.microsoft.com/office/drawing/2014/main" id="{789EF578-6232-44CD-B013-DC3E922A5FC5}"/>
               </a:ext>
             </a:extLst>
           </p:cNvPr>
@@ -17815,7 +17145,7 @@
           <p:cNvPr id="6" name="灯片编号占位符 5">
             <a:extLst>
               <a:ext uri="{FF2B5EF4-FFF2-40B4-BE49-F238E27FC236}">
-                <a16:creationId xmlns:a16="http://schemas.microsoft.com/office/drawing/2014/main" id="{F9C45918-A43F-429C-A5AA-F5CF2D931391}"/>
+                <a16:creationId xmlns:a16="http://schemas.microsoft.com/office/drawing/2014/main" id="{8104FE25-C61D-4764-AF46-BF2BBE75E381}"/>
               </a:ext>
             </a:extLst>
           </p:cNvPr>
@@ -17849,7 +17179,7 @@
             </a:lvl1pPr>
           </a:lstStyle>
           <a:p>
-            <a:fld id="{6098DBBD-AB29-41D4-9BFC-6CDD321025C0}" type="slidenum">
+            <a:fld id="{58188FD2-7E98-4503-B905-CCEF639FD45B}" type="slidenum">
               <a:rPr lang="zh-CN" altLang="en-US" smtClean="0"/>
               <a:t>‹#›</a:t>
             </a:fld>
@@ -17860,7 +17190,7 @@
     </p:spTree>
     <p:extLst>
       <p:ext uri="{BB962C8B-B14F-4D97-AF65-F5344CB8AC3E}">
-        <p14:creationId xmlns:p14="http://schemas.microsoft.com/office/powerpoint/2010/main" val="34273568"/>
+        <p14:creationId xmlns:p14="http://schemas.microsoft.com/office/powerpoint/2010/main" val="1661766521"/>
       </p:ext>
     </p:extLst>
   </p:cSld>
@@ -18325,7 +17655,7 @@
     </p:spTree>
     <p:extLst>
       <p:ext uri="{BB962C8B-B14F-4D97-AF65-F5344CB8AC3E}">
-        <p14:creationId xmlns:p14="http://schemas.microsoft.com/office/powerpoint/2010/main" val="797467889"/>
+        <p14:creationId xmlns:p14="http://schemas.microsoft.com/office/powerpoint/2010/main" val="3373260277"/>
       </p:ext>
     </p:extLst>
   </p:cSld>
@@ -19116,10 +18446,46 @@
           <a:lstStyle/>
           <a:p>
             <a:r>
-              <a:rPr dirty="0" err="1"/>
-              <a:t>内容章节一</a:t>
+              <a:rPr lang="en-US" dirty="0">
+                <a:solidFill>
+                  <a:srgbClr val="002D28"/>
+                </a:solidFill>
+                <a:latin typeface="理想品牌字体 2022" panose="02000500000000000000" pitchFamily="50" charset="-122"/>
+                <a:ea typeface="理想品牌字体 2022" panose="02000500000000000000" pitchFamily="50" charset="-122"/>
+                <a:cs typeface="理想品牌字体 2022" panose="02000500000000000000" pitchFamily="50" charset="-122"/>
+              </a:rPr>
+              <a:t>{</a:t>
             </a:r>
-            <a:endParaRPr dirty="0"/>
+            <a:r>
+              <a:rPr lang="en-US" altLang="zh-CN" dirty="0">
+                <a:solidFill>
+                  <a:srgbClr val="002D28"/>
+                </a:solidFill>
+                <a:latin typeface="理想品牌字体 2022" panose="02000500000000000000" pitchFamily="50" charset="-122"/>
+                <a:ea typeface="理想品牌字体 2022" panose="02000500000000000000" pitchFamily="50" charset="-122"/>
+                <a:cs typeface="理想品牌字体 2022" panose="02000500000000000000" pitchFamily="50" charset="-122"/>
+              </a:rPr>
+              <a:t>chapter_1</a:t>
+            </a:r>
+            <a:r>
+              <a:rPr lang="en-US" dirty="0">
+                <a:solidFill>
+                  <a:srgbClr val="002D28"/>
+                </a:solidFill>
+                <a:latin typeface="理想品牌字体 2022" panose="02000500000000000000" pitchFamily="50" charset="-122"/>
+                <a:ea typeface="理想品牌字体 2022" panose="02000500000000000000" pitchFamily="50" charset="-122"/>
+                <a:cs typeface="理想品牌字体 2022" panose="02000500000000000000" pitchFamily="50" charset="-122"/>
+              </a:rPr>
+              <a:t>}</a:t>
+            </a:r>
+            <a:endParaRPr dirty="0">
+              <a:solidFill>
+                <a:srgbClr val="002D28"/>
+              </a:solidFill>
+              <a:latin typeface="理想品牌字体 2022" panose="02000500000000000000" pitchFamily="50" charset="-122"/>
+              <a:ea typeface="理想品牌字体 2022" panose="02000500000000000000" pitchFamily="50" charset="-122"/>
+              <a:cs typeface="理想品牌字体 2022" panose="02000500000000000000" pitchFamily="50" charset="-122"/>
+            </a:endParaRPr>
           </a:p>
         </p:txBody>
       </p:sp>
@@ -19143,6 +18509,14 @@
           <a:lstStyle/>
           <a:p>
             <a:r>
+              <a:rPr dirty="0">
+                <a:solidFill>
+                  <a:srgbClr val="002D28"/>
+                </a:solidFill>
+                <a:latin typeface="理想品牌字体 2022" panose="02000500000000000000" pitchFamily="50" charset="-122"/>
+                <a:ea typeface="理想品牌字体 2022" panose="02000500000000000000" pitchFamily="50" charset="-122"/>
+                <a:cs typeface="理想品牌字体 2022" panose="02000500000000000000" pitchFamily="50" charset="-122"/>
+              </a:rPr>
               <a:t>01</a:t>
             </a:r>
           </a:p>
@@ -19168,10 +18542,24 @@
           <a:lstStyle/>
           <a:p>
             <a:r>
-              <a:rPr dirty="0" err="1"/>
+              <a:rPr b="1" dirty="0" err="1">
+                <a:solidFill>
+                  <a:srgbClr val="002D28"/>
+                </a:solidFill>
+                <a:latin typeface="理想品牌字体 2022" panose="02000500000000000000" pitchFamily="50" charset="-122"/>
+                <a:ea typeface="理想品牌字体 2022" panose="02000500000000000000" pitchFamily="50" charset="-122"/>
+                <a:cs typeface="理想品牌字体 2022" panose="02000500000000000000" pitchFamily="50" charset="-122"/>
+              </a:rPr>
               <a:t>目录</a:t>
             </a:r>
-            <a:endParaRPr dirty="0"/>
+            <a:endParaRPr b="1" dirty="0">
+              <a:solidFill>
+                <a:srgbClr val="002D28"/>
+              </a:solidFill>
+              <a:latin typeface="理想品牌字体 2022" panose="02000500000000000000" pitchFamily="50" charset="-122"/>
+              <a:ea typeface="理想品牌字体 2022" panose="02000500000000000000" pitchFamily="50" charset="-122"/>
+              <a:cs typeface="理想品牌字体 2022" panose="02000500000000000000" pitchFamily="50" charset="-122"/>
+            </a:endParaRPr>
           </a:p>
         </p:txBody>
       </p:sp>
@@ -19195,7 +18583,15 @@
           <a:lstStyle/>
           <a:p>
             <a:r>
-              <a:t>内容章节二</a:t>
+              <a:rPr lang="en-US" altLang="zh-CN" dirty="0">
+                <a:solidFill>
+                  <a:srgbClr val="002D28"/>
+                </a:solidFill>
+                <a:latin typeface="理想品牌字体 2022" panose="02000500000000000000" pitchFamily="50" charset="-122"/>
+                <a:ea typeface="理想品牌字体 2022" panose="02000500000000000000" pitchFamily="50" charset="-122"/>
+                <a:cs typeface="理想品牌字体 2022" panose="02000500000000000000" pitchFamily="50" charset="-122"/>
+              </a:rPr>
+              <a:t>{chapter_2}</a:t>
             </a:r>
           </a:p>
         </p:txBody>
@@ -19220,6 +18616,14 @@
           <a:lstStyle/>
           <a:p>
             <a:r>
+              <a:rPr dirty="0">
+                <a:solidFill>
+                  <a:srgbClr val="002D28"/>
+                </a:solidFill>
+                <a:latin typeface="理想品牌字体 2022" panose="02000500000000000000" pitchFamily="50" charset="-122"/>
+                <a:ea typeface="理想品牌字体 2022" panose="02000500000000000000" pitchFamily="50" charset="-122"/>
+                <a:cs typeface="理想品牌字体 2022" panose="02000500000000000000" pitchFamily="50" charset="-122"/>
+              </a:rPr>
               <a:t>02</a:t>
             </a:r>
           </a:p>
@@ -19245,7 +18649,15 @@
           <a:lstStyle/>
           <a:p>
             <a:r>
-              <a:t>内容章节三</a:t>
+              <a:rPr lang="en-US" altLang="zh-CN" dirty="0">
+                <a:solidFill>
+                  <a:srgbClr val="002D28"/>
+                </a:solidFill>
+                <a:latin typeface="理想品牌字体 2022" panose="02000500000000000000" pitchFamily="50" charset="-122"/>
+                <a:ea typeface="理想品牌字体 2022" panose="02000500000000000000" pitchFamily="50" charset="-122"/>
+                <a:cs typeface="理想品牌字体 2022" panose="02000500000000000000" pitchFamily="50" charset="-122"/>
+              </a:rPr>
+              <a:t>{chapter_3}</a:t>
             </a:r>
           </a:p>
         </p:txBody>
@@ -19270,6 +18682,14 @@
           <a:lstStyle/>
           <a:p>
             <a:r>
+              <a:rPr dirty="0">
+                <a:solidFill>
+                  <a:srgbClr val="002D28"/>
+                </a:solidFill>
+                <a:latin typeface="理想品牌字体 2022" panose="02000500000000000000" pitchFamily="50" charset="-122"/>
+                <a:ea typeface="理想品牌字体 2022" panose="02000500000000000000" pitchFamily="50" charset="-122"/>
+                <a:cs typeface="理想品牌字体 2022" panose="02000500000000000000" pitchFamily="50" charset="-122"/>
+              </a:rPr>
               <a:t>03</a:t>
             </a:r>
           </a:p>
@@ -19295,7 +18715,15 @@
           <a:lstStyle/>
           <a:p>
             <a:r>
-              <a:t>内容章节四</a:t>
+              <a:rPr lang="en-US" altLang="zh-CN" dirty="0">
+                <a:solidFill>
+                  <a:srgbClr val="002D28"/>
+                </a:solidFill>
+                <a:latin typeface="理想品牌字体 2022" panose="02000500000000000000" pitchFamily="50" charset="-122"/>
+                <a:ea typeface="理想品牌字体 2022" panose="02000500000000000000" pitchFamily="50" charset="-122"/>
+                <a:cs typeface="理想品牌字体 2022" panose="02000500000000000000" pitchFamily="50" charset="-122"/>
+              </a:rPr>
+              <a:t>{chapter_4}</a:t>
             </a:r>
           </a:p>
         </p:txBody>
@@ -19320,6 +18748,14 @@
           <a:lstStyle/>
           <a:p>
             <a:r>
+              <a:rPr dirty="0">
+                <a:solidFill>
+                  <a:srgbClr val="002D28"/>
+                </a:solidFill>
+                <a:latin typeface="理想品牌字体 2022" panose="02000500000000000000" pitchFamily="50" charset="-122"/>
+                <a:ea typeface="理想品牌字体 2022" panose="02000500000000000000" pitchFamily="50" charset="-122"/>
+                <a:cs typeface="理想品牌字体 2022" panose="02000500000000000000" pitchFamily="50" charset="-122"/>
+              </a:rPr>
               <a:t>04</a:t>
             </a:r>
           </a:p>
@@ -19345,7 +18781,15 @@
           <a:lstStyle/>
           <a:p>
             <a:r>
-              <a:t>内容章节五</a:t>
+              <a:rPr lang="en-US" altLang="zh-CN" dirty="0">
+                <a:solidFill>
+                  <a:srgbClr val="002D28"/>
+                </a:solidFill>
+                <a:latin typeface="理想品牌字体 2022" panose="02000500000000000000" pitchFamily="50" charset="-122"/>
+                <a:ea typeface="理想品牌字体 2022" panose="02000500000000000000" pitchFamily="50" charset="-122"/>
+                <a:cs typeface="理想品牌字体 2022" panose="02000500000000000000" pitchFamily="50" charset="-122"/>
+              </a:rPr>
+              <a:t>{chapter_5}</a:t>
             </a:r>
           </a:p>
         </p:txBody>
@@ -19370,262 +18814,15 @@
           <a:lstStyle/>
           <a:p>
             <a:r>
+              <a:rPr dirty="0">
+                <a:solidFill>
+                  <a:srgbClr val="002D28"/>
+                </a:solidFill>
+                <a:latin typeface="理想品牌字体 2022" panose="02000500000000000000" pitchFamily="50" charset="-122"/>
+                <a:ea typeface="理想品牌字体 2022" panose="02000500000000000000" pitchFamily="50" charset="-122"/>
+                <a:cs typeface="理想品牌字体 2022" panose="02000500000000000000" pitchFamily="50" charset="-122"/>
+              </a:rPr>
               <a:t>05</a:t>
-            </a:r>
-          </a:p>
-        </p:txBody>
-      </p:sp>
-      <p:sp>
-        <p:nvSpPr>
-          <p:cNvPr id="494" name="内容章节六"/>
-          <p:cNvSpPr txBox="1">
-            <a:spLocks noGrp="1"/>
-          </p:cNvSpPr>
-          <p:nvPr>
-            <p:ph type="body" idx="32"/>
-          </p:nvPr>
-        </p:nvSpPr>
-        <p:spPr>
-          <a:prstGeom prst="rect">
-            <a:avLst/>
-          </a:prstGeom>
-        </p:spPr>
-        <p:txBody>
-          <a:bodyPr/>
-          <a:lstStyle/>
-          <a:p>
-            <a:r>
-              <a:rPr dirty="0" err="1"/>
-              <a:t>内容章节六</a:t>
-            </a:r>
-            <a:endParaRPr dirty="0"/>
-          </a:p>
-        </p:txBody>
-      </p:sp>
-      <p:sp>
-        <p:nvSpPr>
-          <p:cNvPr id="495" name="06"/>
-          <p:cNvSpPr txBox="1">
-            <a:spLocks noGrp="1"/>
-          </p:cNvSpPr>
-          <p:nvPr>
-            <p:ph type="body" idx="33"/>
-          </p:nvPr>
-        </p:nvSpPr>
-        <p:spPr>
-          <a:prstGeom prst="rect">
-            <a:avLst/>
-          </a:prstGeom>
-        </p:spPr>
-        <p:txBody>
-          <a:bodyPr/>
-          <a:lstStyle/>
-          <a:p>
-            <a:r>
-              <a:rPr dirty="0"/>
-              <a:t>06</a:t>
-            </a:r>
-          </a:p>
-        </p:txBody>
-      </p:sp>
-      <p:sp>
-        <p:nvSpPr>
-          <p:cNvPr id="496" name="内容章节七"/>
-          <p:cNvSpPr txBox="1">
-            <a:spLocks noGrp="1"/>
-          </p:cNvSpPr>
-          <p:nvPr>
-            <p:ph type="body" idx="34"/>
-          </p:nvPr>
-        </p:nvSpPr>
-        <p:spPr>
-          <a:prstGeom prst="rect">
-            <a:avLst/>
-          </a:prstGeom>
-        </p:spPr>
-        <p:txBody>
-          <a:bodyPr/>
-          <a:lstStyle/>
-          <a:p>
-            <a:r>
-              <a:rPr dirty="0" err="1"/>
-              <a:t>内容章节七</a:t>
-            </a:r>
-            <a:endParaRPr dirty="0"/>
-          </a:p>
-        </p:txBody>
-      </p:sp>
-      <p:sp>
-        <p:nvSpPr>
-          <p:cNvPr id="497" name="07"/>
-          <p:cNvSpPr txBox="1">
-            <a:spLocks noGrp="1"/>
-          </p:cNvSpPr>
-          <p:nvPr>
-            <p:ph type="body" idx="35"/>
-          </p:nvPr>
-        </p:nvSpPr>
-        <p:spPr>
-          <a:prstGeom prst="rect">
-            <a:avLst/>
-          </a:prstGeom>
-        </p:spPr>
-        <p:txBody>
-          <a:bodyPr/>
-          <a:lstStyle/>
-          <a:p>
-            <a:r>
-              <a:t>07</a:t>
-            </a:r>
-          </a:p>
-        </p:txBody>
-      </p:sp>
-      <p:sp>
-        <p:nvSpPr>
-          <p:cNvPr id="498" name="内容章节八"/>
-          <p:cNvSpPr txBox="1">
-            <a:spLocks noGrp="1"/>
-          </p:cNvSpPr>
-          <p:nvPr>
-            <p:ph type="body" idx="36"/>
-          </p:nvPr>
-        </p:nvSpPr>
-        <p:spPr>
-          <a:prstGeom prst="rect">
-            <a:avLst/>
-          </a:prstGeom>
-        </p:spPr>
-        <p:txBody>
-          <a:bodyPr/>
-          <a:lstStyle/>
-          <a:p>
-            <a:r>
-              <a:t>内容章节八</a:t>
-            </a:r>
-          </a:p>
-        </p:txBody>
-      </p:sp>
-      <p:sp>
-        <p:nvSpPr>
-          <p:cNvPr id="499" name="08"/>
-          <p:cNvSpPr txBox="1">
-            <a:spLocks noGrp="1"/>
-          </p:cNvSpPr>
-          <p:nvPr>
-            <p:ph type="body" idx="37"/>
-          </p:nvPr>
-        </p:nvSpPr>
-        <p:spPr>
-          <a:prstGeom prst="rect">
-            <a:avLst/>
-          </a:prstGeom>
-        </p:spPr>
-        <p:txBody>
-          <a:bodyPr/>
-          <a:lstStyle/>
-          <a:p>
-            <a:r>
-              <a:t>08</a:t>
-            </a:r>
-          </a:p>
-        </p:txBody>
-      </p:sp>
-      <p:sp>
-        <p:nvSpPr>
-          <p:cNvPr id="500" name="内容章节九"/>
-          <p:cNvSpPr txBox="1">
-            <a:spLocks noGrp="1"/>
-          </p:cNvSpPr>
-          <p:nvPr>
-            <p:ph type="body" idx="38"/>
-          </p:nvPr>
-        </p:nvSpPr>
-        <p:spPr>
-          <a:prstGeom prst="rect">
-            <a:avLst/>
-          </a:prstGeom>
-        </p:spPr>
-        <p:txBody>
-          <a:bodyPr/>
-          <a:lstStyle/>
-          <a:p>
-            <a:r>
-              <a:t>内容章节九</a:t>
-            </a:r>
-          </a:p>
-        </p:txBody>
-      </p:sp>
-      <p:sp>
-        <p:nvSpPr>
-          <p:cNvPr id="501" name="09"/>
-          <p:cNvSpPr txBox="1">
-            <a:spLocks noGrp="1"/>
-          </p:cNvSpPr>
-          <p:nvPr>
-            <p:ph type="body" idx="39"/>
-          </p:nvPr>
-        </p:nvSpPr>
-        <p:spPr>
-          <a:prstGeom prst="rect">
-            <a:avLst/>
-          </a:prstGeom>
-        </p:spPr>
-        <p:txBody>
-          <a:bodyPr/>
-          <a:lstStyle/>
-          <a:p>
-            <a:r>
-              <a:t>09</a:t>
-            </a:r>
-          </a:p>
-        </p:txBody>
-      </p:sp>
-      <p:sp>
-        <p:nvSpPr>
-          <p:cNvPr id="502" name="内容章节十"/>
-          <p:cNvSpPr txBox="1">
-            <a:spLocks noGrp="1"/>
-          </p:cNvSpPr>
-          <p:nvPr>
-            <p:ph type="body" idx="40"/>
-          </p:nvPr>
-        </p:nvSpPr>
-        <p:spPr>
-          <a:prstGeom prst="rect">
-            <a:avLst/>
-          </a:prstGeom>
-        </p:spPr>
-        <p:txBody>
-          <a:bodyPr/>
-          <a:lstStyle/>
-          <a:p>
-            <a:r>
-              <a:t>内容章节十</a:t>
-            </a:r>
-          </a:p>
-        </p:txBody>
-      </p:sp>
-      <p:sp>
-        <p:nvSpPr>
-          <p:cNvPr id="503" name="10"/>
-          <p:cNvSpPr txBox="1">
-            <a:spLocks noGrp="1"/>
-          </p:cNvSpPr>
-          <p:nvPr>
-            <p:ph type="body" idx="41"/>
-          </p:nvPr>
-        </p:nvSpPr>
-        <p:spPr>
-          <a:prstGeom prst="rect">
-            <a:avLst/>
-          </a:prstGeom>
-        </p:spPr>
-        <p:txBody>
-          <a:bodyPr/>
-          <a:lstStyle/>
-          <a:p>
-            <a:r>
-              <a:t>10</a:t>
             </a:r>
           </a:p>
         </p:txBody>
@@ -20327,16 +19524,16 @@
         <a:srgbClr val="FF00FF"/>
       </a:folHlink>
     </a:clrScheme>
-    <a:fontScheme name="21_BasicWhite">
+    <a:fontScheme name="自定义 3">
       <a:majorFont>
-        <a:latin typeface="LiciumFont 2022 Normal"/>
-        <a:ea typeface="LiciumFont 2022 Normal"/>
-        <a:cs typeface="LiciumFont 2022 Normal"/>
+        <a:latin typeface="理想品牌字体 2022"/>
+        <a:ea typeface="理想品牌字体 2022"/>
+        <a:cs typeface=""/>
       </a:majorFont>
       <a:minorFont>
-        <a:latin typeface="LiciumFont 2022 Bold"/>
-        <a:ea typeface="LiciumFont 2022 Bold"/>
-        <a:cs typeface="LiciumFont 2022 Bold"/>
+        <a:latin typeface="理想品牌字体 2022"/>
+        <a:ea typeface="理想品牌字体 2022"/>
+        <a:cs typeface=""/>
       </a:minorFont>
     </a:fontScheme>
     <a:fmtScheme name="21_BasicWhite">

--- a/templates/table_of_contents_slides.pptx
+++ b/templates/table_of_contents_slides.pptx
@@ -105,6 +105,11 @@
       </a:defRPr>
     </a:lvl9pPr>
   </p:defaultTextStyle>
+  <p:extLst>
+    <p:ext uri="{EFAFB233-063F-42B5-8137-9DF3F51BA10A}">
+      <p15:sldGuideLst xmlns:p15="http://schemas.microsoft.com/office/powerpoint/2012/main"/>
+    </p:ext>
+  </p:extLst>
 </p:presentation>
 </file>
 
@@ -1232,7 +1237,7 @@
           <a:p>
             <a:fld id="{255220F9-96CC-4BC4-BFA8-85F85EAAB64C}" type="datetimeFigureOut">
               <a:rPr lang="zh-CN" altLang="en-US" smtClean="0"/>
-              <a:t>2025/9/4</a:t>
+              <a:t>2025/9/11</a:t>
             </a:fld>
             <a:endParaRPr lang="zh-CN" altLang="en-US"/>
           </a:p>
@@ -1430,7 +1435,7 @@
           <a:p>
             <a:fld id="{255220F9-96CC-4BC4-BFA8-85F85EAAB64C}" type="datetimeFigureOut">
               <a:rPr lang="zh-CN" altLang="en-US" smtClean="0"/>
-              <a:t>2025/9/4</a:t>
+              <a:t>2025/9/11</a:t>
             </a:fld>
             <a:endParaRPr lang="zh-CN" altLang="en-US"/>
           </a:p>
@@ -1638,7 +1643,7 @@
           <a:p>
             <a:fld id="{255220F9-96CC-4BC4-BFA8-85F85EAAB64C}" type="datetimeFigureOut">
               <a:rPr lang="zh-CN" altLang="en-US" smtClean="0"/>
-              <a:t>2025/9/4</a:t>
+              <a:t>2025/9/11</a:t>
             </a:fld>
             <a:endParaRPr lang="zh-CN" altLang="en-US"/>
           </a:p>
@@ -10463,7 +10468,7 @@
           <a:p>
             <a:fld id="{255220F9-96CC-4BC4-BFA8-85F85EAAB64C}" type="datetimeFigureOut">
               <a:rPr lang="zh-CN" altLang="en-US" smtClean="0"/>
-              <a:t>2025/9/4</a:t>
+              <a:t>2025/9/11</a:t>
             </a:fld>
             <a:endParaRPr lang="zh-CN" altLang="en-US"/>
           </a:p>
@@ -15320,7 +15325,7 @@
           <a:p>
             <a:fld id="{255220F9-96CC-4BC4-BFA8-85F85EAAB64C}" type="datetimeFigureOut">
               <a:rPr lang="zh-CN" altLang="en-US" smtClean="0"/>
-              <a:t>2025/9/4</a:t>
+              <a:t>2025/9/11</a:t>
             </a:fld>
             <a:endParaRPr lang="zh-CN" altLang="en-US"/>
           </a:p>
@@ -15585,7 +15590,7 @@
           <a:p>
             <a:fld id="{255220F9-96CC-4BC4-BFA8-85F85EAAB64C}" type="datetimeFigureOut">
               <a:rPr lang="zh-CN" altLang="en-US" smtClean="0"/>
-              <a:t>2025/9/4</a:t>
+              <a:t>2025/9/11</a:t>
             </a:fld>
             <a:endParaRPr lang="zh-CN" altLang="en-US"/>
           </a:p>
@@ -15997,7 +16002,7 @@
           <a:p>
             <a:fld id="{255220F9-96CC-4BC4-BFA8-85F85EAAB64C}" type="datetimeFigureOut">
               <a:rPr lang="zh-CN" altLang="en-US" smtClean="0"/>
-              <a:t>2025/9/4</a:t>
+              <a:t>2025/9/11</a:t>
             </a:fld>
             <a:endParaRPr lang="zh-CN" altLang="en-US"/>
           </a:p>
@@ -16138,7 +16143,7 @@
           <a:p>
             <a:fld id="{255220F9-96CC-4BC4-BFA8-85F85EAAB64C}" type="datetimeFigureOut">
               <a:rPr lang="zh-CN" altLang="en-US" smtClean="0"/>
-              <a:t>2025/9/4</a:t>
+              <a:t>2025/9/11</a:t>
             </a:fld>
             <a:endParaRPr lang="zh-CN" altLang="en-US"/>
           </a:p>
@@ -16251,7 +16256,7 @@
           <a:p>
             <a:fld id="{255220F9-96CC-4BC4-BFA8-85F85EAAB64C}" type="datetimeFigureOut">
               <a:rPr lang="zh-CN" altLang="en-US" smtClean="0"/>
-              <a:t>2025/9/4</a:t>
+              <a:t>2025/9/11</a:t>
             </a:fld>
             <a:endParaRPr lang="zh-CN" altLang="en-US"/>
           </a:p>
@@ -16562,7 +16567,7 @@
           <a:p>
             <a:fld id="{255220F9-96CC-4BC4-BFA8-85F85EAAB64C}" type="datetimeFigureOut">
               <a:rPr lang="zh-CN" altLang="en-US" smtClean="0"/>
-              <a:t>2025/9/4</a:t>
+              <a:t>2025/9/11</a:t>
             </a:fld>
             <a:endParaRPr lang="zh-CN" altLang="en-US"/>
           </a:p>
@@ -16850,7 +16855,7 @@
           <a:p>
             <a:fld id="{255220F9-96CC-4BC4-BFA8-85F85EAAB64C}" type="datetimeFigureOut">
               <a:rPr lang="zh-CN" altLang="en-US" smtClean="0"/>
-              <a:t>2025/9/4</a:t>
+              <a:t>2025/9/11</a:t>
             </a:fld>
             <a:endParaRPr lang="zh-CN" altLang="en-US"/>
           </a:p>
@@ -17091,7 +17096,7 @@
           <a:p>
             <a:fld id="{255220F9-96CC-4BC4-BFA8-85F85EAAB64C}" type="datetimeFigureOut">
               <a:rPr lang="zh-CN" altLang="en-US" smtClean="0"/>
-              <a:t>2025/9/4</a:t>
+              <a:t>2025/9/11</a:t>
             </a:fld>
             <a:endParaRPr lang="zh-CN" altLang="en-US"/>
           </a:p>
@@ -18446,42 +18451,14 @@
           <a:lstStyle/>
           <a:p>
             <a:r>
-              <a:rPr lang="en-US" dirty="0">
-                <a:solidFill>
-                  <a:srgbClr val="002D28"/>
-                </a:solidFill>
+              <a:rPr lang="en-US" altLang="zh-CN" dirty="0">
                 <a:latin typeface="理想品牌字体 2022" panose="02000500000000000000" pitchFamily="50" charset="-122"/>
                 <a:ea typeface="理想品牌字体 2022" panose="02000500000000000000" pitchFamily="50" charset="-122"/>
                 <a:cs typeface="理想品牌字体 2022" panose="02000500000000000000" pitchFamily="50" charset="-122"/>
               </a:rPr>
-              <a:t>{</a:t>
-            </a:r>
-            <a:r>
-              <a:rPr lang="en-US" altLang="zh-CN" dirty="0">
-                <a:solidFill>
-                  <a:srgbClr val="002D28"/>
-                </a:solidFill>
-                <a:latin typeface="理想品牌字体 2022" panose="02000500000000000000" pitchFamily="50" charset="-122"/>
-                <a:ea typeface="理想品牌字体 2022" panose="02000500000000000000" pitchFamily="50" charset="-122"/>
-                <a:cs typeface="理想品牌字体 2022" panose="02000500000000000000" pitchFamily="50" charset="-122"/>
-              </a:rPr>
-              <a:t>chapter_1</a:t>
-            </a:r>
-            <a:r>
-              <a:rPr lang="en-US" dirty="0">
-                <a:solidFill>
-                  <a:srgbClr val="002D28"/>
-                </a:solidFill>
-                <a:latin typeface="理想品牌字体 2022" panose="02000500000000000000" pitchFamily="50" charset="-122"/>
-                <a:ea typeface="理想品牌字体 2022" panose="02000500000000000000" pitchFamily="50" charset="-122"/>
-                <a:cs typeface="理想品牌字体 2022" panose="02000500000000000000" pitchFamily="50" charset="-122"/>
-              </a:rPr>
-              <a:t>}</a:t>
+              <a:t>{content_1}</a:t>
             </a:r>
             <a:endParaRPr dirty="0">
-              <a:solidFill>
-                <a:srgbClr val="002D28"/>
-              </a:solidFill>
               <a:latin typeface="理想品牌字体 2022" panose="02000500000000000000" pitchFamily="50" charset="-122"/>
               <a:ea typeface="理想品牌字体 2022" panose="02000500000000000000" pitchFamily="50" charset="-122"/>
               <a:cs typeface="理想品牌字体 2022" panose="02000500000000000000" pitchFamily="50" charset="-122"/>
@@ -18583,16 +18560,18 @@
           <a:lstStyle/>
           <a:p>
             <a:r>
-              <a:rPr lang="en-US" altLang="zh-CN" dirty="0">
-                <a:solidFill>
-                  <a:srgbClr val="002D28"/>
-                </a:solidFill>
+              <a:rPr lang="en-US" dirty="0">
                 <a:latin typeface="理想品牌字体 2022" panose="02000500000000000000" pitchFamily="50" charset="-122"/>
                 <a:ea typeface="理想品牌字体 2022" panose="02000500000000000000" pitchFamily="50" charset="-122"/>
                 <a:cs typeface="理想品牌字体 2022" panose="02000500000000000000" pitchFamily="50" charset="-122"/>
               </a:rPr>
-              <a:t>{chapter_2}</a:t>
+              <a:t>{content_2}</a:t>
             </a:r>
+            <a:endParaRPr dirty="0">
+              <a:latin typeface="理想品牌字体 2022" panose="02000500000000000000" pitchFamily="50" charset="-122"/>
+              <a:ea typeface="理想品牌字体 2022" panose="02000500000000000000" pitchFamily="50" charset="-122"/>
+              <a:cs typeface="理想品牌字体 2022" panose="02000500000000000000" pitchFamily="50" charset="-122"/>
+            </a:endParaRPr>
           </a:p>
         </p:txBody>
       </p:sp>
@@ -18649,16 +18628,18 @@
           <a:lstStyle/>
           <a:p>
             <a:r>
-              <a:rPr lang="en-US" altLang="zh-CN" dirty="0">
-                <a:solidFill>
-                  <a:srgbClr val="002D28"/>
-                </a:solidFill>
+              <a:rPr lang="en-US" dirty="0">
                 <a:latin typeface="理想品牌字体 2022" panose="02000500000000000000" pitchFamily="50" charset="-122"/>
                 <a:ea typeface="理想品牌字体 2022" panose="02000500000000000000" pitchFamily="50" charset="-122"/>
                 <a:cs typeface="理想品牌字体 2022" panose="02000500000000000000" pitchFamily="50" charset="-122"/>
               </a:rPr>
-              <a:t>{chapter_3}</a:t>
+              <a:t>{content_3}</a:t>
             </a:r>
+            <a:endParaRPr dirty="0">
+              <a:latin typeface="理想品牌字体 2022" panose="02000500000000000000" pitchFamily="50" charset="-122"/>
+              <a:ea typeface="理想品牌字体 2022" panose="02000500000000000000" pitchFamily="50" charset="-122"/>
+              <a:cs typeface="理想品牌字体 2022" panose="02000500000000000000" pitchFamily="50" charset="-122"/>
+            </a:endParaRPr>
           </a:p>
         </p:txBody>
       </p:sp>
@@ -18715,16 +18696,18 @@
           <a:lstStyle/>
           <a:p>
             <a:r>
-              <a:rPr lang="en-US" altLang="zh-CN" dirty="0">
-                <a:solidFill>
-                  <a:srgbClr val="002D28"/>
-                </a:solidFill>
+              <a:rPr lang="en-US" dirty="0">
                 <a:latin typeface="理想品牌字体 2022" panose="02000500000000000000" pitchFamily="50" charset="-122"/>
                 <a:ea typeface="理想品牌字体 2022" panose="02000500000000000000" pitchFamily="50" charset="-122"/>
                 <a:cs typeface="理想品牌字体 2022" panose="02000500000000000000" pitchFamily="50" charset="-122"/>
               </a:rPr>
-              <a:t>{chapter_4}</a:t>
+              <a:t>{content_4}</a:t>
             </a:r>
+            <a:endParaRPr dirty="0">
+              <a:latin typeface="理想品牌字体 2022" panose="02000500000000000000" pitchFamily="50" charset="-122"/>
+              <a:ea typeface="理想品牌字体 2022" panose="02000500000000000000" pitchFamily="50" charset="-122"/>
+              <a:cs typeface="理想品牌字体 2022" panose="02000500000000000000" pitchFamily="50" charset="-122"/>
+            </a:endParaRPr>
           </a:p>
         </p:txBody>
       </p:sp>
@@ -18781,16 +18764,18 @@
           <a:lstStyle/>
           <a:p>
             <a:r>
-              <a:rPr lang="en-US" altLang="zh-CN" dirty="0">
-                <a:solidFill>
-                  <a:srgbClr val="002D28"/>
-                </a:solidFill>
+              <a:rPr lang="en-US" dirty="0">
                 <a:latin typeface="理想品牌字体 2022" panose="02000500000000000000" pitchFamily="50" charset="-122"/>
                 <a:ea typeface="理想品牌字体 2022" panose="02000500000000000000" pitchFamily="50" charset="-122"/>
                 <a:cs typeface="理想品牌字体 2022" panose="02000500000000000000" pitchFamily="50" charset="-122"/>
               </a:rPr>
-              <a:t>{chapter_5}</a:t>
+              <a:t>{content_5}</a:t>
             </a:r>
+            <a:endParaRPr dirty="0">
+              <a:latin typeface="理想品牌字体 2022" panose="02000500000000000000" pitchFamily="50" charset="-122"/>
+              <a:ea typeface="理想品牌字体 2022" panose="02000500000000000000" pitchFamily="50" charset="-122"/>
+              <a:cs typeface="理想品牌字体 2022" panose="02000500000000000000" pitchFamily="50" charset="-122"/>
+            </a:endParaRPr>
           </a:p>
         </p:txBody>
       </p:sp>

--- a/templates/table_of_contents_slides.pptx
+++ b/templates/table_of_contents_slides.pptx
@@ -1112,7 +1112,7 @@
           <p:cNvPr id="2" name="标题 1">
             <a:extLst>
               <a:ext uri="{FF2B5EF4-FFF2-40B4-BE49-F238E27FC236}">
-                <a16:creationId xmlns:a16="http://schemas.microsoft.com/office/drawing/2014/main" id="{5A0891B0-EAEC-4BF4-B06B-A33BDBE85262}"/>
+                <a16:creationId xmlns:a16="http://schemas.microsoft.com/office/drawing/2014/main" id="{1FFDEE79-415E-4A1F-8768-3E255B07D133}"/>
               </a:ext>
             </a:extLst>
           </p:cNvPr>
@@ -1149,7 +1149,7 @@
           <p:cNvPr id="3" name="副标题 2">
             <a:extLst>
               <a:ext uri="{FF2B5EF4-FFF2-40B4-BE49-F238E27FC236}">
-                <a16:creationId xmlns:a16="http://schemas.microsoft.com/office/drawing/2014/main" id="{A2CFFCCB-2134-42BD-B160-E522C7802F93}"/>
+                <a16:creationId xmlns:a16="http://schemas.microsoft.com/office/drawing/2014/main" id="{CCC30709-7195-4F5F-8F36-14D90C9DD821}"/>
               </a:ext>
             </a:extLst>
           </p:cNvPr>
@@ -1219,7 +1219,7 @@
           <p:cNvPr id="4" name="日期占位符 3">
             <a:extLst>
               <a:ext uri="{FF2B5EF4-FFF2-40B4-BE49-F238E27FC236}">
-                <a16:creationId xmlns:a16="http://schemas.microsoft.com/office/drawing/2014/main" id="{8BD52D59-FAD1-46BD-9365-8CB4CE58F423}"/>
+                <a16:creationId xmlns:a16="http://schemas.microsoft.com/office/drawing/2014/main" id="{23846B3D-C0BE-4AD1-B3CA-789663686518}"/>
               </a:ext>
             </a:extLst>
           </p:cNvPr>
@@ -1235,9 +1235,9 @@
           <a:bodyPr/>
           <a:lstStyle/>
           <a:p>
-            <a:fld id="{255220F9-96CC-4BC4-BFA8-85F85EAAB64C}" type="datetimeFigureOut">
+            <a:fld id="{49819D92-A4BD-4A79-9563-0C957E5EB4F9}" type="datetimeFigureOut">
               <a:rPr lang="zh-CN" altLang="en-US" smtClean="0"/>
-              <a:t>2025/9/11</a:t>
+              <a:t>2025/9/16</a:t>
             </a:fld>
             <a:endParaRPr lang="zh-CN" altLang="en-US"/>
           </a:p>
@@ -1248,7 +1248,7 @@
           <p:cNvPr id="5" name="页脚占位符 4">
             <a:extLst>
               <a:ext uri="{FF2B5EF4-FFF2-40B4-BE49-F238E27FC236}">
-                <a16:creationId xmlns:a16="http://schemas.microsoft.com/office/drawing/2014/main" id="{05DD357E-3BF6-4783-8C65-19D61408A2C7}"/>
+                <a16:creationId xmlns:a16="http://schemas.microsoft.com/office/drawing/2014/main" id="{69AFFE8F-8942-42D0-954E-010ADE8AF4C1}"/>
               </a:ext>
             </a:extLst>
           </p:cNvPr>
@@ -1273,7 +1273,7 @@
           <p:cNvPr id="6" name="灯片编号占位符 5">
             <a:extLst>
               <a:ext uri="{FF2B5EF4-FFF2-40B4-BE49-F238E27FC236}">
-                <a16:creationId xmlns:a16="http://schemas.microsoft.com/office/drawing/2014/main" id="{7FE0C2EC-AF25-44E9-A9F5-EE1C8472402A}"/>
+                <a16:creationId xmlns:a16="http://schemas.microsoft.com/office/drawing/2014/main" id="{1B28865A-E194-4703-8290-662B943B8BBD}"/>
               </a:ext>
             </a:extLst>
           </p:cNvPr>
@@ -1289,7 +1289,7 @@
           <a:bodyPr/>
           <a:lstStyle/>
           <a:p>
-            <a:fld id="{58188FD2-7E98-4503-B905-CCEF639FD45B}" type="slidenum">
+            <a:fld id="{E06CB502-832A-483B-9164-038CDB6CB263}" type="slidenum">
               <a:rPr lang="zh-CN" altLang="en-US" smtClean="0"/>
               <a:t>‹#›</a:t>
             </a:fld>
@@ -1300,7 +1300,7 @@
     </p:spTree>
     <p:extLst>
       <p:ext uri="{BB962C8B-B14F-4D97-AF65-F5344CB8AC3E}">
-        <p14:creationId xmlns:p14="http://schemas.microsoft.com/office/powerpoint/2010/main" val="2440584394"/>
+        <p14:creationId xmlns:p14="http://schemas.microsoft.com/office/powerpoint/2010/main" val="4097515453"/>
       </p:ext>
     </p:extLst>
   </p:cSld>
@@ -1332,7 +1332,7 @@
           <p:cNvPr id="2" name="标题 1">
             <a:extLst>
               <a:ext uri="{FF2B5EF4-FFF2-40B4-BE49-F238E27FC236}">
-                <a16:creationId xmlns:a16="http://schemas.microsoft.com/office/drawing/2014/main" id="{5830E4E8-068F-465D-BDF6-B5FE58E31162}"/>
+                <a16:creationId xmlns:a16="http://schemas.microsoft.com/office/drawing/2014/main" id="{AFE58186-9C82-471F-A045-D1F43CDF970F}"/>
               </a:ext>
             </a:extLst>
           </p:cNvPr>
@@ -1360,7 +1360,7 @@
           <p:cNvPr id="3" name="竖排文字占位符 2">
             <a:extLst>
               <a:ext uri="{FF2B5EF4-FFF2-40B4-BE49-F238E27FC236}">
-                <a16:creationId xmlns:a16="http://schemas.microsoft.com/office/drawing/2014/main" id="{0FAB0765-35DE-4EA5-9142-5CB86F35C6E5}"/>
+                <a16:creationId xmlns:a16="http://schemas.microsoft.com/office/drawing/2014/main" id="{3C6D686E-04FC-44CA-924C-DF63191E637A}"/>
               </a:ext>
             </a:extLst>
           </p:cNvPr>
@@ -1417,7 +1417,7 @@
           <p:cNvPr id="4" name="日期占位符 3">
             <a:extLst>
               <a:ext uri="{FF2B5EF4-FFF2-40B4-BE49-F238E27FC236}">
-                <a16:creationId xmlns:a16="http://schemas.microsoft.com/office/drawing/2014/main" id="{7FCC195D-605C-4DDE-8B4D-34B4BE873B32}"/>
+                <a16:creationId xmlns:a16="http://schemas.microsoft.com/office/drawing/2014/main" id="{B1B48289-27C2-45F6-859E-62785E92FAA3}"/>
               </a:ext>
             </a:extLst>
           </p:cNvPr>
@@ -1433,9 +1433,9 @@
           <a:bodyPr/>
           <a:lstStyle/>
           <a:p>
-            <a:fld id="{255220F9-96CC-4BC4-BFA8-85F85EAAB64C}" type="datetimeFigureOut">
+            <a:fld id="{49819D92-A4BD-4A79-9563-0C957E5EB4F9}" type="datetimeFigureOut">
               <a:rPr lang="zh-CN" altLang="en-US" smtClean="0"/>
-              <a:t>2025/9/11</a:t>
+              <a:t>2025/9/16</a:t>
             </a:fld>
             <a:endParaRPr lang="zh-CN" altLang="en-US"/>
           </a:p>
@@ -1446,7 +1446,7 @@
           <p:cNvPr id="5" name="页脚占位符 4">
             <a:extLst>
               <a:ext uri="{FF2B5EF4-FFF2-40B4-BE49-F238E27FC236}">
-                <a16:creationId xmlns:a16="http://schemas.microsoft.com/office/drawing/2014/main" id="{FC070815-5E58-4417-BA5F-B0B510DA1FEB}"/>
+                <a16:creationId xmlns:a16="http://schemas.microsoft.com/office/drawing/2014/main" id="{497DDDFB-9AA1-4FC3-8FDF-95ACB9FB27E1}"/>
               </a:ext>
             </a:extLst>
           </p:cNvPr>
@@ -1471,7 +1471,7 @@
           <p:cNvPr id="6" name="灯片编号占位符 5">
             <a:extLst>
               <a:ext uri="{FF2B5EF4-FFF2-40B4-BE49-F238E27FC236}">
-                <a16:creationId xmlns:a16="http://schemas.microsoft.com/office/drawing/2014/main" id="{9B8A5075-CB67-427E-8A30-AA9214C476E4}"/>
+                <a16:creationId xmlns:a16="http://schemas.microsoft.com/office/drawing/2014/main" id="{54B02DFC-D49D-4CB7-8886-55C544C5F58A}"/>
               </a:ext>
             </a:extLst>
           </p:cNvPr>
@@ -1487,7 +1487,7 @@
           <a:bodyPr/>
           <a:lstStyle/>
           <a:p>
-            <a:fld id="{58188FD2-7E98-4503-B905-CCEF639FD45B}" type="slidenum">
+            <a:fld id="{E06CB502-832A-483B-9164-038CDB6CB263}" type="slidenum">
               <a:rPr lang="zh-CN" altLang="en-US" smtClean="0"/>
               <a:t>‹#›</a:t>
             </a:fld>
@@ -1498,7 +1498,7 @@
     </p:spTree>
     <p:extLst>
       <p:ext uri="{BB962C8B-B14F-4D97-AF65-F5344CB8AC3E}">
-        <p14:creationId xmlns:p14="http://schemas.microsoft.com/office/powerpoint/2010/main" val="3373051033"/>
+        <p14:creationId xmlns:p14="http://schemas.microsoft.com/office/powerpoint/2010/main" val="200389915"/>
       </p:ext>
     </p:extLst>
   </p:cSld>
@@ -1530,7 +1530,7 @@
           <p:cNvPr id="2" name="竖排标题 1">
             <a:extLst>
               <a:ext uri="{FF2B5EF4-FFF2-40B4-BE49-F238E27FC236}">
-                <a16:creationId xmlns:a16="http://schemas.microsoft.com/office/drawing/2014/main" id="{AA485737-8B99-4AD8-9C08-8E4848E84D79}"/>
+                <a16:creationId xmlns:a16="http://schemas.microsoft.com/office/drawing/2014/main" id="{A1CE9CE1-5A27-4012-8FAB-FF636A6997B5}"/>
               </a:ext>
             </a:extLst>
           </p:cNvPr>
@@ -1563,7 +1563,7 @@
           <p:cNvPr id="3" name="竖排文字占位符 2">
             <a:extLst>
               <a:ext uri="{FF2B5EF4-FFF2-40B4-BE49-F238E27FC236}">
-                <a16:creationId xmlns:a16="http://schemas.microsoft.com/office/drawing/2014/main" id="{87627FA1-2DA8-4328-B306-C83689159603}"/>
+                <a16:creationId xmlns:a16="http://schemas.microsoft.com/office/drawing/2014/main" id="{8CBB405B-3BC8-44EC-BEE5-0B7BEB99FFFA}"/>
               </a:ext>
             </a:extLst>
           </p:cNvPr>
@@ -1625,7 +1625,7 @@
           <p:cNvPr id="4" name="日期占位符 3">
             <a:extLst>
               <a:ext uri="{FF2B5EF4-FFF2-40B4-BE49-F238E27FC236}">
-                <a16:creationId xmlns:a16="http://schemas.microsoft.com/office/drawing/2014/main" id="{AFD86E85-3D6F-48AB-9D3A-135A523144AF}"/>
+                <a16:creationId xmlns:a16="http://schemas.microsoft.com/office/drawing/2014/main" id="{AAC4AC79-397D-4406-B84F-75AB2949BFB4}"/>
               </a:ext>
             </a:extLst>
           </p:cNvPr>
@@ -1641,9 +1641,9 @@
           <a:bodyPr/>
           <a:lstStyle/>
           <a:p>
-            <a:fld id="{255220F9-96CC-4BC4-BFA8-85F85EAAB64C}" type="datetimeFigureOut">
+            <a:fld id="{49819D92-A4BD-4A79-9563-0C957E5EB4F9}" type="datetimeFigureOut">
               <a:rPr lang="zh-CN" altLang="en-US" smtClean="0"/>
-              <a:t>2025/9/11</a:t>
+              <a:t>2025/9/16</a:t>
             </a:fld>
             <a:endParaRPr lang="zh-CN" altLang="en-US"/>
           </a:p>
@@ -1654,7 +1654,7 @@
           <p:cNvPr id="5" name="页脚占位符 4">
             <a:extLst>
               <a:ext uri="{FF2B5EF4-FFF2-40B4-BE49-F238E27FC236}">
-                <a16:creationId xmlns:a16="http://schemas.microsoft.com/office/drawing/2014/main" id="{E47FCC74-C2A4-4B02-A314-DBBB125DAED9}"/>
+                <a16:creationId xmlns:a16="http://schemas.microsoft.com/office/drawing/2014/main" id="{FA786BF8-1411-4F3E-8A86-986C421DC320}"/>
               </a:ext>
             </a:extLst>
           </p:cNvPr>
@@ -1679,7 +1679,7 @@
           <p:cNvPr id="6" name="灯片编号占位符 5">
             <a:extLst>
               <a:ext uri="{FF2B5EF4-FFF2-40B4-BE49-F238E27FC236}">
-                <a16:creationId xmlns:a16="http://schemas.microsoft.com/office/drawing/2014/main" id="{67FB7379-0437-4A79-AB09-47993650E838}"/>
+                <a16:creationId xmlns:a16="http://schemas.microsoft.com/office/drawing/2014/main" id="{5C99B69F-77C3-49AF-AD1A-63012FD8BE02}"/>
               </a:ext>
             </a:extLst>
           </p:cNvPr>
@@ -1695,7 +1695,7 @@
           <a:bodyPr/>
           <a:lstStyle/>
           <a:p>
-            <a:fld id="{58188FD2-7E98-4503-B905-CCEF639FD45B}" type="slidenum">
+            <a:fld id="{E06CB502-832A-483B-9164-038CDB6CB263}" type="slidenum">
               <a:rPr lang="zh-CN" altLang="en-US" smtClean="0"/>
               <a:t>‹#›</a:t>
             </a:fld>
@@ -1706,7 +1706,7 @@
     </p:spTree>
     <p:extLst>
       <p:ext uri="{BB962C8B-B14F-4D97-AF65-F5344CB8AC3E}">
-        <p14:creationId xmlns:p14="http://schemas.microsoft.com/office/powerpoint/2010/main" val="2979276816"/>
+        <p14:creationId xmlns:p14="http://schemas.microsoft.com/office/powerpoint/2010/main" val="1138368452"/>
       </p:ext>
     </p:extLst>
   </p:cSld>
@@ -4704,7 +4704,7 @@
     </p:spTree>
     <p:extLst>
       <p:ext uri="{BB962C8B-B14F-4D97-AF65-F5344CB8AC3E}">
-        <p14:creationId xmlns:p14="http://schemas.microsoft.com/office/powerpoint/2010/main" val="2975287073"/>
+        <p14:creationId xmlns:p14="http://schemas.microsoft.com/office/powerpoint/2010/main" val="1177609016"/>
       </p:ext>
     </p:extLst>
   </p:cSld>
@@ -8180,7 +8180,7 @@
     </p:spTree>
     <p:extLst>
       <p:ext uri="{BB962C8B-B14F-4D97-AF65-F5344CB8AC3E}">
-        <p14:creationId xmlns:p14="http://schemas.microsoft.com/office/powerpoint/2010/main" val="2741568063"/>
+        <p14:creationId xmlns:p14="http://schemas.microsoft.com/office/powerpoint/2010/main" val="2848893022"/>
       </p:ext>
     </p:extLst>
   </p:cSld>
@@ -8447,7 +8447,7 @@
     </p:spTree>
     <p:extLst>
       <p:ext uri="{BB962C8B-B14F-4D97-AF65-F5344CB8AC3E}">
-        <p14:creationId xmlns:p14="http://schemas.microsoft.com/office/powerpoint/2010/main" val="1427308421"/>
+        <p14:creationId xmlns:p14="http://schemas.microsoft.com/office/powerpoint/2010/main" val="520172496"/>
       </p:ext>
     </p:extLst>
   </p:cSld>
@@ -9223,7 +9223,7 @@
     </p:spTree>
     <p:extLst>
       <p:ext uri="{BB962C8B-B14F-4D97-AF65-F5344CB8AC3E}">
-        <p14:creationId xmlns:p14="http://schemas.microsoft.com/office/powerpoint/2010/main" val="376423515"/>
+        <p14:creationId xmlns:p14="http://schemas.microsoft.com/office/powerpoint/2010/main" val="2603670630"/>
       </p:ext>
     </p:extLst>
   </p:cSld>
@@ -9450,7 +9450,7 @@
     </p:spTree>
     <p:extLst>
       <p:ext uri="{BB962C8B-B14F-4D97-AF65-F5344CB8AC3E}">
-        <p14:creationId xmlns:p14="http://schemas.microsoft.com/office/powerpoint/2010/main" val="3349614283"/>
+        <p14:creationId xmlns:p14="http://schemas.microsoft.com/office/powerpoint/2010/main" val="2361578798"/>
       </p:ext>
     </p:extLst>
   </p:cSld>
@@ -9640,7 +9640,7 @@
     </p:spTree>
     <p:extLst>
       <p:ext uri="{BB962C8B-B14F-4D97-AF65-F5344CB8AC3E}">
-        <p14:creationId xmlns:p14="http://schemas.microsoft.com/office/powerpoint/2010/main" val="3185238740"/>
+        <p14:creationId xmlns:p14="http://schemas.microsoft.com/office/powerpoint/2010/main" val="384544267"/>
       </p:ext>
     </p:extLst>
   </p:cSld>
@@ -10000,7 +10000,7 @@
     </p:spTree>
     <p:extLst>
       <p:ext uri="{BB962C8B-B14F-4D97-AF65-F5344CB8AC3E}">
-        <p14:creationId xmlns:p14="http://schemas.microsoft.com/office/powerpoint/2010/main" val="3976039783"/>
+        <p14:creationId xmlns:p14="http://schemas.microsoft.com/office/powerpoint/2010/main" val="1832435764"/>
       </p:ext>
     </p:extLst>
   </p:cSld>
@@ -10332,7 +10332,7 @@
     </p:spTree>
     <p:extLst>
       <p:ext uri="{BB962C8B-B14F-4D97-AF65-F5344CB8AC3E}">
-        <p14:creationId xmlns:p14="http://schemas.microsoft.com/office/powerpoint/2010/main" val="2531690323"/>
+        <p14:creationId xmlns:p14="http://schemas.microsoft.com/office/powerpoint/2010/main" val="639587310"/>
       </p:ext>
     </p:extLst>
   </p:cSld>
@@ -10365,7 +10365,7 @@
           <p:cNvPr id="2" name="标题 1">
             <a:extLst>
               <a:ext uri="{FF2B5EF4-FFF2-40B4-BE49-F238E27FC236}">
-                <a16:creationId xmlns:a16="http://schemas.microsoft.com/office/drawing/2014/main" id="{CFD34EE8-44CC-4CB3-B08C-2BEBB7B9E75A}"/>
+                <a16:creationId xmlns:a16="http://schemas.microsoft.com/office/drawing/2014/main" id="{C4CD378C-889C-4D3D-9B33-CBD330CAF2A7}"/>
               </a:ext>
             </a:extLst>
           </p:cNvPr>
@@ -10393,7 +10393,7 @@
           <p:cNvPr id="3" name="内容占位符 2">
             <a:extLst>
               <a:ext uri="{FF2B5EF4-FFF2-40B4-BE49-F238E27FC236}">
-                <a16:creationId xmlns:a16="http://schemas.microsoft.com/office/drawing/2014/main" id="{F2512CD0-6A39-4FF9-A9CB-48019E216AEC}"/>
+                <a16:creationId xmlns:a16="http://schemas.microsoft.com/office/drawing/2014/main" id="{84351EBE-79E1-4B6B-9CCB-C2E342CBD6CC}"/>
               </a:ext>
             </a:extLst>
           </p:cNvPr>
@@ -10450,7 +10450,7 @@
           <p:cNvPr id="4" name="日期占位符 3">
             <a:extLst>
               <a:ext uri="{FF2B5EF4-FFF2-40B4-BE49-F238E27FC236}">
-                <a16:creationId xmlns:a16="http://schemas.microsoft.com/office/drawing/2014/main" id="{3BF053D5-5505-4C00-ABFD-0F1330EB6BAE}"/>
+                <a16:creationId xmlns:a16="http://schemas.microsoft.com/office/drawing/2014/main" id="{8D05B5B5-80FA-4607-BC12-C0300B8BB198}"/>
               </a:ext>
             </a:extLst>
           </p:cNvPr>
@@ -10466,9 +10466,9 @@
           <a:bodyPr/>
           <a:lstStyle/>
           <a:p>
-            <a:fld id="{255220F9-96CC-4BC4-BFA8-85F85EAAB64C}" type="datetimeFigureOut">
+            <a:fld id="{49819D92-A4BD-4A79-9563-0C957E5EB4F9}" type="datetimeFigureOut">
               <a:rPr lang="zh-CN" altLang="en-US" smtClean="0"/>
-              <a:t>2025/9/11</a:t>
+              <a:t>2025/9/16</a:t>
             </a:fld>
             <a:endParaRPr lang="zh-CN" altLang="en-US"/>
           </a:p>
@@ -10479,7 +10479,7 @@
           <p:cNvPr id="5" name="页脚占位符 4">
             <a:extLst>
               <a:ext uri="{FF2B5EF4-FFF2-40B4-BE49-F238E27FC236}">
-                <a16:creationId xmlns:a16="http://schemas.microsoft.com/office/drawing/2014/main" id="{AFE23459-89A6-4770-AA05-EEBB25323059}"/>
+                <a16:creationId xmlns:a16="http://schemas.microsoft.com/office/drawing/2014/main" id="{25349A2B-0B6F-433B-AB6D-AAEB6021CBCB}"/>
               </a:ext>
             </a:extLst>
           </p:cNvPr>
@@ -10504,7 +10504,7 @@
           <p:cNvPr id="6" name="灯片编号占位符 5">
             <a:extLst>
               <a:ext uri="{FF2B5EF4-FFF2-40B4-BE49-F238E27FC236}">
-                <a16:creationId xmlns:a16="http://schemas.microsoft.com/office/drawing/2014/main" id="{C82E7DA5-44DB-4FEE-9AB6-3DEFC19290FB}"/>
+                <a16:creationId xmlns:a16="http://schemas.microsoft.com/office/drawing/2014/main" id="{692928EC-08EC-4AEB-A467-C0B31F059EA1}"/>
               </a:ext>
             </a:extLst>
           </p:cNvPr>
@@ -10520,7 +10520,7 @@
           <a:bodyPr/>
           <a:lstStyle/>
           <a:p>
-            <a:fld id="{58188FD2-7E98-4503-B905-CCEF639FD45B}" type="slidenum">
+            <a:fld id="{E06CB502-832A-483B-9164-038CDB6CB263}" type="slidenum">
               <a:rPr lang="zh-CN" altLang="en-US" smtClean="0"/>
               <a:t>‹#›</a:t>
             </a:fld>
@@ -10531,7 +10531,7 @@
     </p:spTree>
     <p:extLst>
       <p:ext uri="{BB962C8B-B14F-4D97-AF65-F5344CB8AC3E}">
-        <p14:creationId xmlns:p14="http://schemas.microsoft.com/office/powerpoint/2010/main" val="1009685332"/>
+        <p14:creationId xmlns:p14="http://schemas.microsoft.com/office/powerpoint/2010/main" val="2539797444"/>
       </p:ext>
     </p:extLst>
   </p:cSld>
@@ -10886,7 +10886,7 @@
     </p:spTree>
     <p:extLst>
       <p:ext uri="{BB962C8B-B14F-4D97-AF65-F5344CB8AC3E}">
-        <p14:creationId xmlns:p14="http://schemas.microsoft.com/office/powerpoint/2010/main" val="4014832027"/>
+        <p14:creationId xmlns:p14="http://schemas.microsoft.com/office/powerpoint/2010/main" val="2825593504"/>
       </p:ext>
     </p:extLst>
   </p:cSld>
@@ -11382,7 +11382,7 @@
     </p:spTree>
     <p:extLst>
       <p:ext uri="{BB962C8B-B14F-4D97-AF65-F5344CB8AC3E}">
-        <p14:creationId xmlns:p14="http://schemas.microsoft.com/office/powerpoint/2010/main" val="4204264088"/>
+        <p14:creationId xmlns:p14="http://schemas.microsoft.com/office/powerpoint/2010/main" val="1669902498"/>
       </p:ext>
     </p:extLst>
   </p:cSld>
@@ -11956,7 +11956,7 @@
     </p:spTree>
     <p:extLst>
       <p:ext uri="{BB962C8B-B14F-4D97-AF65-F5344CB8AC3E}">
-        <p14:creationId xmlns:p14="http://schemas.microsoft.com/office/powerpoint/2010/main" val="2601662612"/>
+        <p14:creationId xmlns:p14="http://schemas.microsoft.com/office/powerpoint/2010/main" val="3110017692"/>
       </p:ext>
     </p:extLst>
   </p:cSld>
@@ -13587,7 +13587,7 @@
     </p:spTree>
     <p:extLst>
       <p:ext uri="{BB962C8B-B14F-4D97-AF65-F5344CB8AC3E}">
-        <p14:creationId xmlns:p14="http://schemas.microsoft.com/office/powerpoint/2010/main" val="3672972006"/>
+        <p14:creationId xmlns:p14="http://schemas.microsoft.com/office/powerpoint/2010/main" val="833914441"/>
       </p:ext>
     </p:extLst>
   </p:cSld>
@@ -13961,7 +13961,7 @@
           <p:nvPr>
             <p:extLst>
               <p:ext uri="{D42A27DB-BD31-4B8C-83A1-F6EECF244321}">
-                <p14:modId xmlns:p14="http://schemas.microsoft.com/office/powerpoint/2010/main" val="1738287926"/>
+                <p14:modId xmlns:p14="http://schemas.microsoft.com/office/powerpoint/2010/main" val="1786206598"/>
               </p:ext>
             </p:extLst>
           </p:nvPr>
@@ -14595,7 +14595,7 @@
     </p:spTree>
     <p:extLst>
       <p:ext uri="{BB962C8B-B14F-4D97-AF65-F5344CB8AC3E}">
-        <p14:creationId xmlns:p14="http://schemas.microsoft.com/office/powerpoint/2010/main" val="1128663724"/>
+        <p14:creationId xmlns:p14="http://schemas.microsoft.com/office/powerpoint/2010/main" val="2193817730"/>
       </p:ext>
     </p:extLst>
   </p:cSld>
@@ -14955,7 +14955,7 @@
     </p:spTree>
     <p:extLst>
       <p:ext uri="{BB962C8B-B14F-4D97-AF65-F5344CB8AC3E}">
-        <p14:creationId xmlns:p14="http://schemas.microsoft.com/office/powerpoint/2010/main" val="239049815"/>
+        <p14:creationId xmlns:p14="http://schemas.microsoft.com/office/powerpoint/2010/main" val="66627790"/>
       </p:ext>
     </p:extLst>
   </p:cSld>
@@ -15112,7 +15112,7 @@
     </p:spTree>
     <p:extLst>
       <p:ext uri="{BB962C8B-B14F-4D97-AF65-F5344CB8AC3E}">
-        <p14:creationId xmlns:p14="http://schemas.microsoft.com/office/powerpoint/2010/main" val="3738323496"/>
+        <p14:creationId xmlns:p14="http://schemas.microsoft.com/office/powerpoint/2010/main" val="1844179493"/>
       </p:ext>
     </p:extLst>
   </p:cSld>
@@ -15145,7 +15145,7 @@
           <p:cNvPr id="2" name="标题 1">
             <a:extLst>
               <a:ext uri="{FF2B5EF4-FFF2-40B4-BE49-F238E27FC236}">
-                <a16:creationId xmlns:a16="http://schemas.microsoft.com/office/drawing/2014/main" id="{BCF083BA-3B92-4233-9D79-86F4116FD452}"/>
+                <a16:creationId xmlns:a16="http://schemas.microsoft.com/office/drawing/2014/main" id="{E48F95AD-D9DD-4241-AFEA-AC652FF3B93C}"/>
               </a:ext>
             </a:extLst>
           </p:cNvPr>
@@ -15182,7 +15182,7 @@
           <p:cNvPr id="3" name="文本占位符 2">
             <a:extLst>
               <a:ext uri="{FF2B5EF4-FFF2-40B4-BE49-F238E27FC236}">
-                <a16:creationId xmlns:a16="http://schemas.microsoft.com/office/drawing/2014/main" id="{6E2C8AB3-7A73-469F-BB86-64A0356CE7EA}"/>
+                <a16:creationId xmlns:a16="http://schemas.microsoft.com/office/drawing/2014/main" id="{AB865D63-87A1-443F-BC0C-5BEB888C4193}"/>
               </a:ext>
             </a:extLst>
           </p:cNvPr>
@@ -15307,7 +15307,7 @@
           <p:cNvPr id="4" name="日期占位符 3">
             <a:extLst>
               <a:ext uri="{FF2B5EF4-FFF2-40B4-BE49-F238E27FC236}">
-                <a16:creationId xmlns:a16="http://schemas.microsoft.com/office/drawing/2014/main" id="{13983A59-CA7A-47A6-B853-B261A190816C}"/>
+                <a16:creationId xmlns:a16="http://schemas.microsoft.com/office/drawing/2014/main" id="{CDF180A4-DBB9-4231-92E3-3371C4F38629}"/>
               </a:ext>
             </a:extLst>
           </p:cNvPr>
@@ -15323,9 +15323,9 @@
           <a:bodyPr/>
           <a:lstStyle/>
           <a:p>
-            <a:fld id="{255220F9-96CC-4BC4-BFA8-85F85EAAB64C}" type="datetimeFigureOut">
+            <a:fld id="{49819D92-A4BD-4A79-9563-0C957E5EB4F9}" type="datetimeFigureOut">
               <a:rPr lang="zh-CN" altLang="en-US" smtClean="0"/>
-              <a:t>2025/9/11</a:t>
+              <a:t>2025/9/16</a:t>
             </a:fld>
             <a:endParaRPr lang="zh-CN" altLang="en-US"/>
           </a:p>
@@ -15336,7 +15336,7 @@
           <p:cNvPr id="5" name="页脚占位符 4">
             <a:extLst>
               <a:ext uri="{FF2B5EF4-FFF2-40B4-BE49-F238E27FC236}">
-                <a16:creationId xmlns:a16="http://schemas.microsoft.com/office/drawing/2014/main" id="{0A41222C-2C1D-4171-8261-95C003DA9556}"/>
+                <a16:creationId xmlns:a16="http://schemas.microsoft.com/office/drawing/2014/main" id="{60903071-D38E-41AF-AF5D-C1F5E827F3D6}"/>
               </a:ext>
             </a:extLst>
           </p:cNvPr>
@@ -15361,7 +15361,7 @@
           <p:cNvPr id="6" name="灯片编号占位符 5">
             <a:extLst>
               <a:ext uri="{FF2B5EF4-FFF2-40B4-BE49-F238E27FC236}">
-                <a16:creationId xmlns:a16="http://schemas.microsoft.com/office/drawing/2014/main" id="{16AF84F2-26A9-4958-9464-9A3E5B1D00D5}"/>
+                <a16:creationId xmlns:a16="http://schemas.microsoft.com/office/drawing/2014/main" id="{B18A4F26-9835-4609-897E-C0EA7B3449CE}"/>
               </a:ext>
             </a:extLst>
           </p:cNvPr>
@@ -15377,7 +15377,7 @@
           <a:bodyPr/>
           <a:lstStyle/>
           <a:p>
-            <a:fld id="{58188FD2-7E98-4503-B905-CCEF639FD45B}" type="slidenum">
+            <a:fld id="{E06CB502-832A-483B-9164-038CDB6CB263}" type="slidenum">
               <a:rPr lang="zh-CN" altLang="en-US" smtClean="0"/>
               <a:t>‹#›</a:t>
             </a:fld>
@@ -15388,7 +15388,7 @@
     </p:spTree>
     <p:extLst>
       <p:ext uri="{BB962C8B-B14F-4D97-AF65-F5344CB8AC3E}">
-        <p14:creationId xmlns:p14="http://schemas.microsoft.com/office/powerpoint/2010/main" val="1273824478"/>
+        <p14:creationId xmlns:p14="http://schemas.microsoft.com/office/powerpoint/2010/main" val="4084314387"/>
       </p:ext>
     </p:extLst>
   </p:cSld>
@@ -15420,7 +15420,7 @@
           <p:cNvPr id="2" name="标题 1">
             <a:extLst>
               <a:ext uri="{FF2B5EF4-FFF2-40B4-BE49-F238E27FC236}">
-                <a16:creationId xmlns:a16="http://schemas.microsoft.com/office/drawing/2014/main" id="{8C32F755-B182-4707-B51E-7A0E0785B70E}"/>
+                <a16:creationId xmlns:a16="http://schemas.microsoft.com/office/drawing/2014/main" id="{9B13F433-069F-4236-93DB-E5969F0FFB1F}"/>
               </a:ext>
             </a:extLst>
           </p:cNvPr>
@@ -15448,7 +15448,7 @@
           <p:cNvPr id="3" name="内容占位符 2">
             <a:extLst>
               <a:ext uri="{FF2B5EF4-FFF2-40B4-BE49-F238E27FC236}">
-                <a16:creationId xmlns:a16="http://schemas.microsoft.com/office/drawing/2014/main" id="{8CB98B7A-056C-4EF1-945A-083ADE23F4ED}"/>
+                <a16:creationId xmlns:a16="http://schemas.microsoft.com/office/drawing/2014/main" id="{32B69EA3-0E78-4E8E-ADEB-1227BCF2117D}"/>
               </a:ext>
             </a:extLst>
           </p:cNvPr>
@@ -15510,7 +15510,7 @@
           <p:cNvPr id="4" name="内容占位符 3">
             <a:extLst>
               <a:ext uri="{FF2B5EF4-FFF2-40B4-BE49-F238E27FC236}">
-                <a16:creationId xmlns:a16="http://schemas.microsoft.com/office/drawing/2014/main" id="{8E380EBC-9D67-47EC-B95C-56C123FCF51C}"/>
+                <a16:creationId xmlns:a16="http://schemas.microsoft.com/office/drawing/2014/main" id="{4B002372-954E-454F-835B-062FB9A3B15B}"/>
               </a:ext>
             </a:extLst>
           </p:cNvPr>
@@ -15572,7 +15572,7 @@
           <p:cNvPr id="5" name="日期占位符 4">
             <a:extLst>
               <a:ext uri="{FF2B5EF4-FFF2-40B4-BE49-F238E27FC236}">
-                <a16:creationId xmlns:a16="http://schemas.microsoft.com/office/drawing/2014/main" id="{E1DD4698-DBC3-4406-AF4F-879FB2FA835F}"/>
+                <a16:creationId xmlns:a16="http://schemas.microsoft.com/office/drawing/2014/main" id="{93169A98-7142-4D2B-9638-0D5015A3F797}"/>
               </a:ext>
             </a:extLst>
           </p:cNvPr>
@@ -15588,9 +15588,9 @@
           <a:bodyPr/>
           <a:lstStyle/>
           <a:p>
-            <a:fld id="{255220F9-96CC-4BC4-BFA8-85F85EAAB64C}" type="datetimeFigureOut">
+            <a:fld id="{49819D92-A4BD-4A79-9563-0C957E5EB4F9}" type="datetimeFigureOut">
               <a:rPr lang="zh-CN" altLang="en-US" smtClean="0"/>
-              <a:t>2025/9/11</a:t>
+              <a:t>2025/9/16</a:t>
             </a:fld>
             <a:endParaRPr lang="zh-CN" altLang="en-US"/>
           </a:p>
@@ -15601,7 +15601,7 @@
           <p:cNvPr id="6" name="页脚占位符 5">
             <a:extLst>
               <a:ext uri="{FF2B5EF4-FFF2-40B4-BE49-F238E27FC236}">
-                <a16:creationId xmlns:a16="http://schemas.microsoft.com/office/drawing/2014/main" id="{51483318-0083-4700-B6E2-135915F1BBB5}"/>
+                <a16:creationId xmlns:a16="http://schemas.microsoft.com/office/drawing/2014/main" id="{D938AE9A-2E27-412C-9E9D-75E5C1BE7B0A}"/>
               </a:ext>
             </a:extLst>
           </p:cNvPr>
@@ -15626,7 +15626,7 @@
           <p:cNvPr id="7" name="灯片编号占位符 6">
             <a:extLst>
               <a:ext uri="{FF2B5EF4-FFF2-40B4-BE49-F238E27FC236}">
-                <a16:creationId xmlns:a16="http://schemas.microsoft.com/office/drawing/2014/main" id="{AF99E619-5C5C-459C-9157-3AD1328359DB}"/>
+                <a16:creationId xmlns:a16="http://schemas.microsoft.com/office/drawing/2014/main" id="{61EEB994-E8EC-47F8-8371-36263B272F3F}"/>
               </a:ext>
             </a:extLst>
           </p:cNvPr>
@@ -15642,7 +15642,7 @@
           <a:bodyPr/>
           <a:lstStyle/>
           <a:p>
-            <a:fld id="{58188FD2-7E98-4503-B905-CCEF639FD45B}" type="slidenum">
+            <a:fld id="{E06CB502-832A-483B-9164-038CDB6CB263}" type="slidenum">
               <a:rPr lang="zh-CN" altLang="en-US" smtClean="0"/>
               <a:t>‹#›</a:t>
             </a:fld>
@@ -15653,7 +15653,7 @@
     </p:spTree>
     <p:extLst>
       <p:ext uri="{BB962C8B-B14F-4D97-AF65-F5344CB8AC3E}">
-        <p14:creationId xmlns:p14="http://schemas.microsoft.com/office/powerpoint/2010/main" val="2492783927"/>
+        <p14:creationId xmlns:p14="http://schemas.microsoft.com/office/powerpoint/2010/main" val="3021370937"/>
       </p:ext>
     </p:extLst>
   </p:cSld>
@@ -15685,7 +15685,7 @@
           <p:cNvPr id="2" name="标题 1">
             <a:extLst>
               <a:ext uri="{FF2B5EF4-FFF2-40B4-BE49-F238E27FC236}">
-                <a16:creationId xmlns:a16="http://schemas.microsoft.com/office/drawing/2014/main" id="{80EF87DD-678C-42B9-860D-A5C0CE6D94E5}"/>
+                <a16:creationId xmlns:a16="http://schemas.microsoft.com/office/drawing/2014/main" id="{A046A60B-8772-48B6-BCF0-A5D87B182975}"/>
               </a:ext>
             </a:extLst>
           </p:cNvPr>
@@ -15718,7 +15718,7 @@
           <p:cNvPr id="3" name="文本占位符 2">
             <a:extLst>
               <a:ext uri="{FF2B5EF4-FFF2-40B4-BE49-F238E27FC236}">
-                <a16:creationId xmlns:a16="http://schemas.microsoft.com/office/drawing/2014/main" id="{AFC37124-105C-41BC-AF9D-3A3DE2D9590A}"/>
+                <a16:creationId xmlns:a16="http://schemas.microsoft.com/office/drawing/2014/main" id="{D8BC3EBD-DD04-4CEF-86F7-7DB7F8067CC1}"/>
               </a:ext>
             </a:extLst>
           </p:cNvPr>
@@ -15789,7 +15789,7 @@
           <p:cNvPr id="4" name="内容占位符 3">
             <a:extLst>
               <a:ext uri="{FF2B5EF4-FFF2-40B4-BE49-F238E27FC236}">
-                <a16:creationId xmlns:a16="http://schemas.microsoft.com/office/drawing/2014/main" id="{B2192654-9ED8-413B-A5AB-AE76FED519A7}"/>
+                <a16:creationId xmlns:a16="http://schemas.microsoft.com/office/drawing/2014/main" id="{44940902-16B4-4286-BF4B-6378B1677F74}"/>
               </a:ext>
             </a:extLst>
           </p:cNvPr>
@@ -15851,7 +15851,7 @@
           <p:cNvPr id="5" name="文本占位符 4">
             <a:extLst>
               <a:ext uri="{FF2B5EF4-FFF2-40B4-BE49-F238E27FC236}">
-                <a16:creationId xmlns:a16="http://schemas.microsoft.com/office/drawing/2014/main" id="{E8C41080-DFB9-40B2-9C0E-6FE98E2DA924}"/>
+                <a16:creationId xmlns:a16="http://schemas.microsoft.com/office/drawing/2014/main" id="{235FE724-01FC-47F7-9EB0-09D1676DFC90}"/>
               </a:ext>
             </a:extLst>
           </p:cNvPr>
@@ -15922,7 +15922,7 @@
           <p:cNvPr id="6" name="内容占位符 5">
             <a:extLst>
               <a:ext uri="{FF2B5EF4-FFF2-40B4-BE49-F238E27FC236}">
-                <a16:creationId xmlns:a16="http://schemas.microsoft.com/office/drawing/2014/main" id="{EA3BC6BA-80CF-45EF-A3CE-B470DFF36213}"/>
+                <a16:creationId xmlns:a16="http://schemas.microsoft.com/office/drawing/2014/main" id="{33A19635-19B8-415F-9736-139DE7DF70AF}"/>
               </a:ext>
             </a:extLst>
           </p:cNvPr>
@@ -15984,7 +15984,7 @@
           <p:cNvPr id="7" name="日期占位符 6">
             <a:extLst>
               <a:ext uri="{FF2B5EF4-FFF2-40B4-BE49-F238E27FC236}">
-                <a16:creationId xmlns:a16="http://schemas.microsoft.com/office/drawing/2014/main" id="{05B034A4-A4EE-4958-BE74-8F8783A4AE95}"/>
+                <a16:creationId xmlns:a16="http://schemas.microsoft.com/office/drawing/2014/main" id="{C828C6A3-55F4-46A9-9ED0-3957F7858938}"/>
               </a:ext>
             </a:extLst>
           </p:cNvPr>
@@ -16000,9 +16000,9 @@
           <a:bodyPr/>
           <a:lstStyle/>
           <a:p>
-            <a:fld id="{255220F9-96CC-4BC4-BFA8-85F85EAAB64C}" type="datetimeFigureOut">
+            <a:fld id="{49819D92-A4BD-4A79-9563-0C957E5EB4F9}" type="datetimeFigureOut">
               <a:rPr lang="zh-CN" altLang="en-US" smtClean="0"/>
-              <a:t>2025/9/11</a:t>
+              <a:t>2025/9/16</a:t>
             </a:fld>
             <a:endParaRPr lang="zh-CN" altLang="en-US"/>
           </a:p>
@@ -16013,7 +16013,7 @@
           <p:cNvPr id="8" name="页脚占位符 7">
             <a:extLst>
               <a:ext uri="{FF2B5EF4-FFF2-40B4-BE49-F238E27FC236}">
-                <a16:creationId xmlns:a16="http://schemas.microsoft.com/office/drawing/2014/main" id="{6235894A-9A06-4AEB-BD3E-1A1261A00E7B}"/>
+                <a16:creationId xmlns:a16="http://schemas.microsoft.com/office/drawing/2014/main" id="{7192AF19-DC14-4639-9EA8-25C3161808CD}"/>
               </a:ext>
             </a:extLst>
           </p:cNvPr>
@@ -16038,7 +16038,7 @@
           <p:cNvPr id="9" name="灯片编号占位符 8">
             <a:extLst>
               <a:ext uri="{FF2B5EF4-FFF2-40B4-BE49-F238E27FC236}">
-                <a16:creationId xmlns:a16="http://schemas.microsoft.com/office/drawing/2014/main" id="{A34F65FB-AE86-4996-B726-537AC6ECAD88}"/>
+                <a16:creationId xmlns:a16="http://schemas.microsoft.com/office/drawing/2014/main" id="{F2CBD139-8167-4A51-AADB-88705050C2E7}"/>
               </a:ext>
             </a:extLst>
           </p:cNvPr>
@@ -16054,7 +16054,7 @@
           <a:bodyPr/>
           <a:lstStyle/>
           <a:p>
-            <a:fld id="{58188FD2-7E98-4503-B905-CCEF639FD45B}" type="slidenum">
+            <a:fld id="{E06CB502-832A-483B-9164-038CDB6CB263}" type="slidenum">
               <a:rPr lang="zh-CN" altLang="en-US" smtClean="0"/>
               <a:t>‹#›</a:t>
             </a:fld>
@@ -16065,7 +16065,7 @@
     </p:spTree>
     <p:extLst>
       <p:ext uri="{BB962C8B-B14F-4D97-AF65-F5344CB8AC3E}">
-        <p14:creationId xmlns:p14="http://schemas.microsoft.com/office/powerpoint/2010/main" val="1628449454"/>
+        <p14:creationId xmlns:p14="http://schemas.microsoft.com/office/powerpoint/2010/main" val="3511885837"/>
       </p:ext>
     </p:extLst>
   </p:cSld>
@@ -16097,7 +16097,7 @@
           <p:cNvPr id="2" name="标题 1">
             <a:extLst>
               <a:ext uri="{FF2B5EF4-FFF2-40B4-BE49-F238E27FC236}">
-                <a16:creationId xmlns:a16="http://schemas.microsoft.com/office/drawing/2014/main" id="{68BE0C69-435C-4270-B2F7-F331ACCB1A4B}"/>
+                <a16:creationId xmlns:a16="http://schemas.microsoft.com/office/drawing/2014/main" id="{B5A14A22-13BF-42A8-B804-ECFE4B3660B9}"/>
               </a:ext>
             </a:extLst>
           </p:cNvPr>
@@ -16125,7 +16125,7 @@
           <p:cNvPr id="3" name="日期占位符 2">
             <a:extLst>
               <a:ext uri="{FF2B5EF4-FFF2-40B4-BE49-F238E27FC236}">
-                <a16:creationId xmlns:a16="http://schemas.microsoft.com/office/drawing/2014/main" id="{EC45351F-B9BF-4DBD-943C-D051C8BF473D}"/>
+                <a16:creationId xmlns:a16="http://schemas.microsoft.com/office/drawing/2014/main" id="{632BDA70-8CA1-49DC-A705-C0D82C366B11}"/>
               </a:ext>
             </a:extLst>
           </p:cNvPr>
@@ -16141,9 +16141,9 @@
           <a:bodyPr/>
           <a:lstStyle/>
           <a:p>
-            <a:fld id="{255220F9-96CC-4BC4-BFA8-85F85EAAB64C}" type="datetimeFigureOut">
+            <a:fld id="{49819D92-A4BD-4A79-9563-0C957E5EB4F9}" type="datetimeFigureOut">
               <a:rPr lang="zh-CN" altLang="en-US" smtClean="0"/>
-              <a:t>2025/9/11</a:t>
+              <a:t>2025/9/16</a:t>
             </a:fld>
             <a:endParaRPr lang="zh-CN" altLang="en-US"/>
           </a:p>
@@ -16154,7 +16154,7 @@
           <p:cNvPr id="4" name="页脚占位符 3">
             <a:extLst>
               <a:ext uri="{FF2B5EF4-FFF2-40B4-BE49-F238E27FC236}">
-                <a16:creationId xmlns:a16="http://schemas.microsoft.com/office/drawing/2014/main" id="{D329F49A-9CDF-42F4-9804-F5084161FCF7}"/>
+                <a16:creationId xmlns:a16="http://schemas.microsoft.com/office/drawing/2014/main" id="{53F4A77F-D9F3-4D2F-877D-DCAC51FE45B8}"/>
               </a:ext>
             </a:extLst>
           </p:cNvPr>
@@ -16179,7 +16179,7 @@
           <p:cNvPr id="5" name="灯片编号占位符 4">
             <a:extLst>
               <a:ext uri="{FF2B5EF4-FFF2-40B4-BE49-F238E27FC236}">
-                <a16:creationId xmlns:a16="http://schemas.microsoft.com/office/drawing/2014/main" id="{39CEF15B-DF12-4BB2-B2C0-72573ED807E6}"/>
+                <a16:creationId xmlns:a16="http://schemas.microsoft.com/office/drawing/2014/main" id="{FE7F3723-B8D0-47EB-A2AE-CDB4A6BEA08F}"/>
               </a:ext>
             </a:extLst>
           </p:cNvPr>
@@ -16195,7 +16195,7 @@
           <a:bodyPr/>
           <a:lstStyle/>
           <a:p>
-            <a:fld id="{58188FD2-7E98-4503-B905-CCEF639FD45B}" type="slidenum">
+            <a:fld id="{E06CB502-832A-483B-9164-038CDB6CB263}" type="slidenum">
               <a:rPr lang="zh-CN" altLang="en-US" smtClean="0"/>
               <a:t>‹#›</a:t>
             </a:fld>
@@ -16206,7 +16206,7 @@
     </p:spTree>
     <p:extLst>
       <p:ext uri="{BB962C8B-B14F-4D97-AF65-F5344CB8AC3E}">
-        <p14:creationId xmlns:p14="http://schemas.microsoft.com/office/powerpoint/2010/main" val="881977537"/>
+        <p14:creationId xmlns:p14="http://schemas.microsoft.com/office/powerpoint/2010/main" val="11751282"/>
       </p:ext>
     </p:extLst>
   </p:cSld>
@@ -16238,7 +16238,7 @@
           <p:cNvPr id="2" name="日期占位符 1">
             <a:extLst>
               <a:ext uri="{FF2B5EF4-FFF2-40B4-BE49-F238E27FC236}">
-                <a16:creationId xmlns:a16="http://schemas.microsoft.com/office/drawing/2014/main" id="{5FA9F3E4-6009-49F6-A1C4-7EE93608E973}"/>
+                <a16:creationId xmlns:a16="http://schemas.microsoft.com/office/drawing/2014/main" id="{43973B6B-9469-4CBE-B1CD-1E8F3CC210BB}"/>
               </a:ext>
             </a:extLst>
           </p:cNvPr>
@@ -16254,9 +16254,9 @@
           <a:bodyPr/>
           <a:lstStyle/>
           <a:p>
-            <a:fld id="{255220F9-96CC-4BC4-BFA8-85F85EAAB64C}" type="datetimeFigureOut">
+            <a:fld id="{49819D92-A4BD-4A79-9563-0C957E5EB4F9}" type="datetimeFigureOut">
               <a:rPr lang="zh-CN" altLang="en-US" smtClean="0"/>
-              <a:t>2025/9/11</a:t>
+              <a:t>2025/9/16</a:t>
             </a:fld>
             <a:endParaRPr lang="zh-CN" altLang="en-US"/>
           </a:p>
@@ -16267,7 +16267,7 @@
           <p:cNvPr id="3" name="页脚占位符 2">
             <a:extLst>
               <a:ext uri="{FF2B5EF4-FFF2-40B4-BE49-F238E27FC236}">
-                <a16:creationId xmlns:a16="http://schemas.microsoft.com/office/drawing/2014/main" id="{34468308-D1AE-4AAA-B212-79BE105268C0}"/>
+                <a16:creationId xmlns:a16="http://schemas.microsoft.com/office/drawing/2014/main" id="{F70FEE06-EFCC-493D-B145-CAA021851352}"/>
               </a:ext>
             </a:extLst>
           </p:cNvPr>
@@ -16292,7 +16292,7 @@
           <p:cNvPr id="4" name="灯片编号占位符 3">
             <a:extLst>
               <a:ext uri="{FF2B5EF4-FFF2-40B4-BE49-F238E27FC236}">
-                <a16:creationId xmlns:a16="http://schemas.microsoft.com/office/drawing/2014/main" id="{77E721AA-5AAE-4AB4-B68E-A2BA161F8C3C}"/>
+                <a16:creationId xmlns:a16="http://schemas.microsoft.com/office/drawing/2014/main" id="{DF2DC9BE-A2B6-48E0-94CA-DFE137645426}"/>
               </a:ext>
             </a:extLst>
           </p:cNvPr>
@@ -16308,7 +16308,7 @@
           <a:bodyPr/>
           <a:lstStyle/>
           <a:p>
-            <a:fld id="{58188FD2-7E98-4503-B905-CCEF639FD45B}" type="slidenum">
+            <a:fld id="{E06CB502-832A-483B-9164-038CDB6CB263}" type="slidenum">
               <a:rPr lang="zh-CN" altLang="en-US" smtClean="0"/>
               <a:t>‹#›</a:t>
             </a:fld>
@@ -16319,7 +16319,7 @@
     </p:spTree>
     <p:extLst>
       <p:ext uri="{BB962C8B-B14F-4D97-AF65-F5344CB8AC3E}">
-        <p14:creationId xmlns:p14="http://schemas.microsoft.com/office/powerpoint/2010/main" val="3864287798"/>
+        <p14:creationId xmlns:p14="http://schemas.microsoft.com/office/powerpoint/2010/main" val="4158904921"/>
       </p:ext>
     </p:extLst>
   </p:cSld>
@@ -16351,7 +16351,7 @@
           <p:cNvPr id="2" name="标题 1">
             <a:extLst>
               <a:ext uri="{FF2B5EF4-FFF2-40B4-BE49-F238E27FC236}">
-                <a16:creationId xmlns:a16="http://schemas.microsoft.com/office/drawing/2014/main" id="{15E91091-79A9-4D21-81CD-217D6A2FF854}"/>
+                <a16:creationId xmlns:a16="http://schemas.microsoft.com/office/drawing/2014/main" id="{7DE44E51-56CF-4063-81B7-D13CF574C514}"/>
               </a:ext>
             </a:extLst>
           </p:cNvPr>
@@ -16388,7 +16388,7 @@
           <p:cNvPr id="3" name="内容占位符 2">
             <a:extLst>
               <a:ext uri="{FF2B5EF4-FFF2-40B4-BE49-F238E27FC236}">
-                <a16:creationId xmlns:a16="http://schemas.microsoft.com/office/drawing/2014/main" id="{7260625E-4506-4EEA-AEC8-FA2B7A4B7F26}"/>
+                <a16:creationId xmlns:a16="http://schemas.microsoft.com/office/drawing/2014/main" id="{87B3B524-F256-4202-A3A2-F5A1CC369E2C}"/>
               </a:ext>
             </a:extLst>
           </p:cNvPr>
@@ -16478,7 +16478,7 @@
           <p:cNvPr id="4" name="文本占位符 3">
             <a:extLst>
               <a:ext uri="{FF2B5EF4-FFF2-40B4-BE49-F238E27FC236}">
-                <a16:creationId xmlns:a16="http://schemas.microsoft.com/office/drawing/2014/main" id="{A8F523C3-3176-421F-B610-F1B54511B068}"/>
+                <a16:creationId xmlns:a16="http://schemas.microsoft.com/office/drawing/2014/main" id="{F60AAD0E-3CB7-4437-9645-915CDF4CAE7F}"/>
               </a:ext>
             </a:extLst>
           </p:cNvPr>
@@ -16549,7 +16549,7 @@
           <p:cNvPr id="5" name="日期占位符 4">
             <a:extLst>
               <a:ext uri="{FF2B5EF4-FFF2-40B4-BE49-F238E27FC236}">
-                <a16:creationId xmlns:a16="http://schemas.microsoft.com/office/drawing/2014/main" id="{4A3355CD-DD0A-4696-AB58-A641D1B9B94E}"/>
+                <a16:creationId xmlns:a16="http://schemas.microsoft.com/office/drawing/2014/main" id="{7A9DFD0A-46DD-4151-9591-EADB829C7EFA}"/>
               </a:ext>
             </a:extLst>
           </p:cNvPr>
@@ -16565,9 +16565,9 @@
           <a:bodyPr/>
           <a:lstStyle/>
           <a:p>
-            <a:fld id="{255220F9-96CC-4BC4-BFA8-85F85EAAB64C}" type="datetimeFigureOut">
+            <a:fld id="{49819D92-A4BD-4A79-9563-0C957E5EB4F9}" type="datetimeFigureOut">
               <a:rPr lang="zh-CN" altLang="en-US" smtClean="0"/>
-              <a:t>2025/9/11</a:t>
+              <a:t>2025/9/16</a:t>
             </a:fld>
             <a:endParaRPr lang="zh-CN" altLang="en-US"/>
           </a:p>
@@ -16578,7 +16578,7 @@
           <p:cNvPr id="6" name="页脚占位符 5">
             <a:extLst>
               <a:ext uri="{FF2B5EF4-FFF2-40B4-BE49-F238E27FC236}">
-                <a16:creationId xmlns:a16="http://schemas.microsoft.com/office/drawing/2014/main" id="{9BE8153D-8E91-4BE5-A33D-4D67CD2643B9}"/>
+                <a16:creationId xmlns:a16="http://schemas.microsoft.com/office/drawing/2014/main" id="{3230C9D7-16E7-41D1-9DEA-714948F74815}"/>
               </a:ext>
             </a:extLst>
           </p:cNvPr>
@@ -16603,7 +16603,7 @@
           <p:cNvPr id="7" name="灯片编号占位符 6">
             <a:extLst>
               <a:ext uri="{FF2B5EF4-FFF2-40B4-BE49-F238E27FC236}">
-                <a16:creationId xmlns:a16="http://schemas.microsoft.com/office/drawing/2014/main" id="{C4634E13-2C69-4B8D-A210-9B986B211C89}"/>
+                <a16:creationId xmlns:a16="http://schemas.microsoft.com/office/drawing/2014/main" id="{D9E10511-E280-40F9-B7B5-B2C0D4476813}"/>
               </a:ext>
             </a:extLst>
           </p:cNvPr>
@@ -16619,7 +16619,7 @@
           <a:bodyPr/>
           <a:lstStyle/>
           <a:p>
-            <a:fld id="{58188FD2-7E98-4503-B905-CCEF639FD45B}" type="slidenum">
+            <a:fld id="{E06CB502-832A-483B-9164-038CDB6CB263}" type="slidenum">
               <a:rPr lang="zh-CN" altLang="en-US" smtClean="0"/>
               <a:t>‹#›</a:t>
             </a:fld>
@@ -16630,7 +16630,7 @@
     </p:spTree>
     <p:extLst>
       <p:ext uri="{BB962C8B-B14F-4D97-AF65-F5344CB8AC3E}">
-        <p14:creationId xmlns:p14="http://schemas.microsoft.com/office/powerpoint/2010/main" val="2081958732"/>
+        <p14:creationId xmlns:p14="http://schemas.microsoft.com/office/powerpoint/2010/main" val="2214496378"/>
       </p:ext>
     </p:extLst>
   </p:cSld>
@@ -16662,7 +16662,7 @@
           <p:cNvPr id="2" name="标题 1">
             <a:extLst>
               <a:ext uri="{FF2B5EF4-FFF2-40B4-BE49-F238E27FC236}">
-                <a16:creationId xmlns:a16="http://schemas.microsoft.com/office/drawing/2014/main" id="{892A90A2-985D-4E3E-937E-43937B1F1883}"/>
+                <a16:creationId xmlns:a16="http://schemas.microsoft.com/office/drawing/2014/main" id="{CF4098DD-5F6E-40FE-A261-59CA86EF9A1B}"/>
               </a:ext>
             </a:extLst>
           </p:cNvPr>
@@ -16699,7 +16699,7 @@
           <p:cNvPr id="3" name="图片占位符 2">
             <a:extLst>
               <a:ext uri="{FF2B5EF4-FFF2-40B4-BE49-F238E27FC236}">
-                <a16:creationId xmlns:a16="http://schemas.microsoft.com/office/drawing/2014/main" id="{42364171-1D09-499A-AE52-475060AF98B5}"/>
+                <a16:creationId xmlns:a16="http://schemas.microsoft.com/office/drawing/2014/main" id="{5FB9B639-DD9C-467C-9383-CE417A588F18}"/>
               </a:ext>
             </a:extLst>
           </p:cNvPr>
@@ -16766,7 +16766,7 @@
           <p:cNvPr id="4" name="文本占位符 3">
             <a:extLst>
               <a:ext uri="{FF2B5EF4-FFF2-40B4-BE49-F238E27FC236}">
-                <a16:creationId xmlns:a16="http://schemas.microsoft.com/office/drawing/2014/main" id="{A1EA4D8A-6714-4A65-8280-85565B38A976}"/>
+                <a16:creationId xmlns:a16="http://schemas.microsoft.com/office/drawing/2014/main" id="{C68091B8-BCF8-4140-8EF1-628A58BEC9EF}"/>
               </a:ext>
             </a:extLst>
           </p:cNvPr>
@@ -16837,7 +16837,7 @@
           <p:cNvPr id="5" name="日期占位符 4">
             <a:extLst>
               <a:ext uri="{FF2B5EF4-FFF2-40B4-BE49-F238E27FC236}">
-                <a16:creationId xmlns:a16="http://schemas.microsoft.com/office/drawing/2014/main" id="{679973EA-6375-4D43-A0A7-F01D49DB2ED2}"/>
+                <a16:creationId xmlns:a16="http://schemas.microsoft.com/office/drawing/2014/main" id="{D2B074AE-AA21-467C-8344-5FE142A38D77}"/>
               </a:ext>
             </a:extLst>
           </p:cNvPr>
@@ -16853,9 +16853,9 @@
           <a:bodyPr/>
           <a:lstStyle/>
           <a:p>
-            <a:fld id="{255220F9-96CC-4BC4-BFA8-85F85EAAB64C}" type="datetimeFigureOut">
+            <a:fld id="{49819D92-A4BD-4A79-9563-0C957E5EB4F9}" type="datetimeFigureOut">
               <a:rPr lang="zh-CN" altLang="en-US" smtClean="0"/>
-              <a:t>2025/9/11</a:t>
+              <a:t>2025/9/16</a:t>
             </a:fld>
             <a:endParaRPr lang="zh-CN" altLang="en-US"/>
           </a:p>
@@ -16866,7 +16866,7 @@
           <p:cNvPr id="6" name="页脚占位符 5">
             <a:extLst>
               <a:ext uri="{FF2B5EF4-FFF2-40B4-BE49-F238E27FC236}">
-                <a16:creationId xmlns:a16="http://schemas.microsoft.com/office/drawing/2014/main" id="{D7FE9893-815A-4094-B571-B9F2989EDE89}"/>
+                <a16:creationId xmlns:a16="http://schemas.microsoft.com/office/drawing/2014/main" id="{15BC67D3-A325-4AE6-9D90-3B27964AFF72}"/>
               </a:ext>
             </a:extLst>
           </p:cNvPr>
@@ -16891,7 +16891,7 @@
           <p:cNvPr id="7" name="灯片编号占位符 6">
             <a:extLst>
               <a:ext uri="{FF2B5EF4-FFF2-40B4-BE49-F238E27FC236}">
-                <a16:creationId xmlns:a16="http://schemas.microsoft.com/office/drawing/2014/main" id="{A466EEBA-7A07-47C0-9A0B-31A24680FEE9}"/>
+                <a16:creationId xmlns:a16="http://schemas.microsoft.com/office/drawing/2014/main" id="{89F2538D-66BA-4DF5-ABD6-9C8A23F5B8A1}"/>
               </a:ext>
             </a:extLst>
           </p:cNvPr>
@@ -16907,7 +16907,7 @@
           <a:bodyPr/>
           <a:lstStyle/>
           <a:p>
-            <a:fld id="{58188FD2-7E98-4503-B905-CCEF639FD45B}" type="slidenum">
+            <a:fld id="{E06CB502-832A-483B-9164-038CDB6CB263}" type="slidenum">
               <a:rPr lang="zh-CN" altLang="en-US" smtClean="0"/>
               <a:t>‹#›</a:t>
             </a:fld>
@@ -16918,7 +16918,7 @@
     </p:spTree>
     <p:extLst>
       <p:ext uri="{BB962C8B-B14F-4D97-AF65-F5344CB8AC3E}">
-        <p14:creationId xmlns:p14="http://schemas.microsoft.com/office/powerpoint/2010/main" val="2209016602"/>
+        <p14:creationId xmlns:p14="http://schemas.microsoft.com/office/powerpoint/2010/main" val="31415615"/>
       </p:ext>
     </p:extLst>
   </p:cSld>
@@ -16955,7 +16955,7 @@
           <p:cNvPr id="2" name="标题占位符 1">
             <a:extLst>
               <a:ext uri="{FF2B5EF4-FFF2-40B4-BE49-F238E27FC236}">
-                <a16:creationId xmlns:a16="http://schemas.microsoft.com/office/drawing/2014/main" id="{88DE5605-6C0A-458C-8D25-4F44C3A558EA}"/>
+                <a16:creationId xmlns:a16="http://schemas.microsoft.com/office/drawing/2014/main" id="{EFADCEA2-14BF-44A1-9D50-548D1D51CC41}"/>
               </a:ext>
             </a:extLst>
           </p:cNvPr>
@@ -16993,7 +16993,7 @@
           <p:cNvPr id="3" name="文本占位符 2">
             <a:extLst>
               <a:ext uri="{FF2B5EF4-FFF2-40B4-BE49-F238E27FC236}">
-                <a16:creationId xmlns:a16="http://schemas.microsoft.com/office/drawing/2014/main" id="{3533E9FB-71E9-4FC0-9418-8C3EB313FC25}"/>
+                <a16:creationId xmlns:a16="http://schemas.microsoft.com/office/drawing/2014/main" id="{C6E2EE15-8519-4105-9537-3ABBEBA41F52}"/>
               </a:ext>
             </a:extLst>
           </p:cNvPr>
@@ -17060,7 +17060,7 @@
           <p:cNvPr id="4" name="日期占位符 3">
             <a:extLst>
               <a:ext uri="{FF2B5EF4-FFF2-40B4-BE49-F238E27FC236}">
-                <a16:creationId xmlns:a16="http://schemas.microsoft.com/office/drawing/2014/main" id="{63034E6F-436A-40C5-87DB-91F35CDD264A}"/>
+                <a16:creationId xmlns:a16="http://schemas.microsoft.com/office/drawing/2014/main" id="{C214DA59-0EA4-4788-BD57-0C63AA5F7F3F}"/>
               </a:ext>
             </a:extLst>
           </p:cNvPr>
@@ -17094,9 +17094,9 @@
             </a:lvl1pPr>
           </a:lstStyle>
           <a:p>
-            <a:fld id="{255220F9-96CC-4BC4-BFA8-85F85EAAB64C}" type="datetimeFigureOut">
+            <a:fld id="{49819D92-A4BD-4A79-9563-0C957E5EB4F9}" type="datetimeFigureOut">
               <a:rPr lang="zh-CN" altLang="en-US" smtClean="0"/>
-              <a:t>2025/9/11</a:t>
+              <a:t>2025/9/16</a:t>
             </a:fld>
             <a:endParaRPr lang="zh-CN" altLang="en-US"/>
           </a:p>
@@ -17107,7 +17107,7 @@
           <p:cNvPr id="5" name="页脚占位符 4">
             <a:extLst>
               <a:ext uri="{FF2B5EF4-FFF2-40B4-BE49-F238E27FC236}">
-                <a16:creationId xmlns:a16="http://schemas.microsoft.com/office/drawing/2014/main" id="{789EF578-6232-44CD-B013-DC3E922A5FC5}"/>
+                <a16:creationId xmlns:a16="http://schemas.microsoft.com/office/drawing/2014/main" id="{D7C1E224-9530-49D6-8F3D-7FF6BDF5F5E6}"/>
               </a:ext>
             </a:extLst>
           </p:cNvPr>
@@ -17150,7 +17150,7 @@
           <p:cNvPr id="6" name="灯片编号占位符 5">
             <a:extLst>
               <a:ext uri="{FF2B5EF4-FFF2-40B4-BE49-F238E27FC236}">
-                <a16:creationId xmlns:a16="http://schemas.microsoft.com/office/drawing/2014/main" id="{8104FE25-C61D-4764-AF46-BF2BBE75E381}"/>
+                <a16:creationId xmlns:a16="http://schemas.microsoft.com/office/drawing/2014/main" id="{173C3017-4701-4E56-AEE2-F3805B580FDC}"/>
               </a:ext>
             </a:extLst>
           </p:cNvPr>
@@ -17184,7 +17184,7 @@
             </a:lvl1pPr>
           </a:lstStyle>
           <a:p>
-            <a:fld id="{58188FD2-7E98-4503-B905-CCEF639FD45B}" type="slidenum">
+            <a:fld id="{E06CB502-832A-483B-9164-038CDB6CB263}" type="slidenum">
               <a:rPr lang="zh-CN" altLang="en-US" smtClean="0"/>
               <a:t>‹#›</a:t>
             </a:fld>
@@ -17195,7 +17195,7 @@
     </p:spTree>
     <p:extLst>
       <p:ext uri="{BB962C8B-B14F-4D97-AF65-F5344CB8AC3E}">
-        <p14:creationId xmlns:p14="http://schemas.microsoft.com/office/powerpoint/2010/main" val="1661766521"/>
+        <p14:creationId xmlns:p14="http://schemas.microsoft.com/office/powerpoint/2010/main" val="2448059762"/>
       </p:ext>
     </p:extLst>
   </p:cSld>
@@ -17660,7 +17660,7 @@
     </p:spTree>
     <p:extLst>
       <p:ext uri="{BB962C8B-B14F-4D97-AF65-F5344CB8AC3E}">
-        <p14:creationId xmlns:p14="http://schemas.microsoft.com/office/powerpoint/2010/main" val="3373260277"/>
+        <p14:creationId xmlns:p14="http://schemas.microsoft.com/office/powerpoint/2010/main" val="1425294654"/>
       </p:ext>
     </p:extLst>
   </p:cSld>
@@ -18487,9 +18487,6 @@
           <a:p>
             <a:r>
               <a:rPr dirty="0">
-                <a:solidFill>
-                  <a:srgbClr val="002D28"/>
-                </a:solidFill>
                 <a:latin typeface="理想品牌字体 2022" panose="02000500000000000000" pitchFamily="50" charset="-122"/>
                 <a:ea typeface="理想品牌字体 2022" panose="02000500000000000000" pitchFamily="50" charset="-122"/>
                 <a:cs typeface="理想品牌字体 2022" panose="02000500000000000000" pitchFamily="50" charset="-122"/>
@@ -18510,6 +18507,10 @@
           </p:nvPr>
         </p:nvSpPr>
         <p:spPr>
+          <a:xfrm>
+            <a:off x="488950" y="433923"/>
+            <a:ext cx="3529289" cy="450851"/>
+          </a:xfrm>
           <a:prstGeom prst="rect">
             <a:avLst/>
           </a:prstGeom>
@@ -18519,20 +18520,14 @@
           <a:lstStyle/>
           <a:p>
             <a:r>
-              <a:rPr b="1" dirty="0" err="1">
-                <a:solidFill>
-                  <a:srgbClr val="002D28"/>
-                </a:solidFill>
+              <a:rPr dirty="0" err="1">
                 <a:latin typeface="理想品牌字体 2022" panose="02000500000000000000" pitchFamily="50" charset="-122"/>
                 <a:ea typeface="理想品牌字体 2022" panose="02000500000000000000" pitchFamily="50" charset="-122"/>
                 <a:cs typeface="理想品牌字体 2022" panose="02000500000000000000" pitchFamily="50" charset="-122"/>
               </a:rPr>
               <a:t>目录</a:t>
             </a:r>
-            <a:endParaRPr b="1" dirty="0">
-              <a:solidFill>
-                <a:srgbClr val="002D28"/>
-              </a:solidFill>
+            <a:endParaRPr dirty="0">
               <a:latin typeface="理想品牌字体 2022" panose="02000500000000000000" pitchFamily="50" charset="-122"/>
               <a:ea typeface="理想品牌字体 2022" panose="02000500000000000000" pitchFamily="50" charset="-122"/>
               <a:cs typeface="理想品牌字体 2022" panose="02000500000000000000" pitchFamily="50" charset="-122"/>
@@ -18565,7 +18560,23 @@
                 <a:ea typeface="理想品牌字体 2022" panose="02000500000000000000" pitchFamily="50" charset="-122"/>
                 <a:cs typeface="理想品牌字体 2022" panose="02000500000000000000" pitchFamily="50" charset="-122"/>
               </a:rPr>
-              <a:t>{content_2}</a:t>
+              <a:t>{</a:t>
+            </a:r>
+            <a:r>
+              <a:rPr lang="en-US" altLang="zh-CN" dirty="0">
+                <a:latin typeface="理想品牌字体 2022" panose="02000500000000000000" pitchFamily="50" charset="-122"/>
+                <a:ea typeface="理想品牌字体 2022" panose="02000500000000000000" pitchFamily="50" charset="-122"/>
+                <a:cs typeface="理想品牌字体 2022" panose="02000500000000000000" pitchFamily="50" charset="-122"/>
+              </a:rPr>
+              <a:t>content_2</a:t>
+            </a:r>
+            <a:r>
+              <a:rPr lang="en-US" dirty="0">
+                <a:latin typeface="理想品牌字体 2022" panose="02000500000000000000" pitchFamily="50" charset="-122"/>
+                <a:ea typeface="理想品牌字体 2022" panose="02000500000000000000" pitchFamily="50" charset="-122"/>
+                <a:cs typeface="理想品牌字体 2022" panose="02000500000000000000" pitchFamily="50" charset="-122"/>
+              </a:rPr>
+              <a:t>}</a:t>
             </a:r>
             <a:endParaRPr dirty="0">
               <a:latin typeface="理想品牌字体 2022" panose="02000500000000000000" pitchFamily="50" charset="-122"/>
@@ -18596,9 +18607,6 @@
           <a:p>
             <a:r>
               <a:rPr dirty="0">
-                <a:solidFill>
-                  <a:srgbClr val="002D28"/>
-                </a:solidFill>
                 <a:latin typeface="理想品牌字体 2022" panose="02000500000000000000" pitchFamily="50" charset="-122"/>
                 <a:ea typeface="理想品牌字体 2022" panose="02000500000000000000" pitchFamily="50" charset="-122"/>
                 <a:cs typeface="理想品牌字体 2022" panose="02000500000000000000" pitchFamily="50" charset="-122"/>
@@ -18664,9 +18672,6 @@
           <a:p>
             <a:r>
               <a:rPr dirty="0">
-                <a:solidFill>
-                  <a:srgbClr val="002D28"/>
-                </a:solidFill>
                 <a:latin typeface="理想品牌字体 2022" panose="02000500000000000000" pitchFamily="50" charset="-122"/>
                 <a:ea typeface="理想品牌字体 2022" panose="02000500000000000000" pitchFamily="50" charset="-122"/>
                 <a:cs typeface="理想品牌字体 2022" panose="02000500000000000000" pitchFamily="50" charset="-122"/>
@@ -18732,9 +18737,6 @@
           <a:p>
             <a:r>
               <a:rPr dirty="0">
-                <a:solidFill>
-                  <a:srgbClr val="002D28"/>
-                </a:solidFill>
                 <a:latin typeface="理想品牌字体 2022" panose="02000500000000000000" pitchFamily="50" charset="-122"/>
                 <a:ea typeface="理想品牌字体 2022" panose="02000500000000000000" pitchFamily="50" charset="-122"/>
                 <a:cs typeface="理想品牌字体 2022" panose="02000500000000000000" pitchFamily="50" charset="-122"/>
@@ -18800,9 +18802,6 @@
           <a:p>
             <a:r>
               <a:rPr dirty="0">
-                <a:solidFill>
-                  <a:srgbClr val="002D28"/>
-                </a:solidFill>
                 <a:latin typeface="理想品牌字体 2022" panose="02000500000000000000" pitchFamily="50" charset="-122"/>
                 <a:ea typeface="理想品牌字体 2022" panose="02000500000000000000" pitchFamily="50" charset="-122"/>
                 <a:cs typeface="理想品牌字体 2022" panose="02000500000000000000" pitchFamily="50" charset="-122"/>
@@ -19509,16 +19508,16 @@
         <a:srgbClr val="FF00FF"/>
       </a:folHlink>
     </a:clrScheme>
-    <a:fontScheme name="自定义 3">
+    <a:fontScheme name="21_BasicWhite">
       <a:majorFont>
-        <a:latin typeface="理想品牌字体 2022"/>
-        <a:ea typeface="理想品牌字体 2022"/>
-        <a:cs typeface=""/>
+        <a:latin typeface="LiciumFont 2022 Normal"/>
+        <a:ea typeface="LiciumFont 2022 Normal"/>
+        <a:cs typeface="LiciumFont 2022 Normal"/>
       </a:majorFont>
       <a:minorFont>
-        <a:latin typeface="理想品牌字体 2022"/>
-        <a:ea typeface="理想品牌字体 2022"/>
-        <a:cs typeface=""/>
+        <a:latin typeface="LiciumFont 2022 Bold"/>
+        <a:ea typeface="LiciumFont 2022 Bold"/>
+        <a:cs typeface="LiciumFont 2022 Bold"/>
       </a:minorFont>
     </a:fontScheme>
     <a:fmtScheme name="21_BasicWhite">
